--- a/FinalProject/docs/presentation.pptx
+++ b/FinalProject/docs/presentation.pptx
@@ -10,12 +10,12 @@
   <p:sldIdLst>
     <p:sldId id="256" r:id="rId2"/>
     <p:sldId id="257" r:id="rId3"/>
-    <p:sldId id="258" r:id="rId4"/>
-    <p:sldId id="262" r:id="rId5"/>
-    <p:sldId id="261" r:id="rId6"/>
-    <p:sldId id="259" r:id="rId7"/>
-    <p:sldId id="260" r:id="rId8"/>
-    <p:sldId id="263" r:id="rId9"/>
+    <p:sldId id="264" r:id="rId4"/>
+    <p:sldId id="258" r:id="rId5"/>
+    <p:sldId id="262" r:id="rId6"/>
+    <p:sldId id="261" r:id="rId7"/>
+    <p:sldId id="265" r:id="rId8"/>
+    <p:sldId id="266" r:id="rId9"/>
   </p:sldIdLst>
   <p:sldSz cx="12192000" cy="6858000"/>
   <p:notesSz cx="6858000" cy="9144000"/>
@@ -114,6 +114,11 @@
       </a:defRPr>
     </a:lvl9pPr>
   </p:defaultTextStyle>
+  <p:extLst>
+    <p:ext uri="{EFAFB233-063F-42B5-8137-9DF3F51BA10A}">
+      <p15:sldGuideLst xmlns:p15="http://schemas.microsoft.com/office/powerpoint/2012/main"/>
+    </p:ext>
+  </p:extLst>
 </p:presentation>
 </file>
 
@@ -199,7 +204,7 @@
           <a:p>
             <a:fld id="{191B3BFD-F25D-D840-85EA-4630FB6112AD}" type="datetimeFigureOut">
               <a:rPr lang="en-US" smtClean="0"/>
-              <a:t>12/8/15</a:t>
+              <a:t>12/9/2015</a:t>
             </a:fld>
             <a:endParaRPr lang="en-US"/>
           </a:p>
@@ -494,16 +499,40 @@
             <p:ph type="sldImg"/>
           </p:nvPr>
         </p:nvSpPr>
+        <p:spPr>
+          <a:xfrm>
+            <a:off x="685800" y="1143000"/>
+            <a:ext cx="5486400" cy="3086100"/>
+          </a:xfrm>
+        </p:spPr>
+      </p:sp>
+      <p:sp>
+        <p:nvSpPr>
+          <p:cNvPr id="3" name="Notes Placeholder 2"/>
+          <p:cNvSpPr>
+            <a:spLocks noGrp="1"/>
+          </p:cNvSpPr>
+          <p:nvPr>
+            <p:ph type="body" idx="1"/>
+          </p:nvPr>
+        </p:nvSpPr>
         <p:spPr/>
-      </p:sp>
-      <p:sp>
-        <p:nvSpPr>
-          <p:cNvPr id="3" name="Notes Placeholder 2"/>
-          <p:cNvSpPr>
-            <a:spLocks noGrp="1"/>
-          </p:cNvSpPr>
-          <p:nvPr>
-            <p:ph type="body" idx="1"/>
+        <p:txBody>
+          <a:bodyPr/>
+          <a:lstStyle/>
+          <a:p>
+            <a:endParaRPr lang="en-US" dirty="0"/>
+          </a:p>
+        </p:txBody>
+      </p:sp>
+      <p:sp>
+        <p:nvSpPr>
+          <p:cNvPr id="4" name="Slide Number Placeholder 3"/>
+          <p:cNvSpPr>
+            <a:spLocks noGrp="1"/>
+          </p:cNvSpPr>
+          <p:nvPr>
+            <p:ph type="sldNum" sz="quarter" idx="10"/>
           </p:nvPr>
         </p:nvSpPr>
         <p:spPr/>
@@ -511,28 +540,9 @@
           <a:bodyPr/>
           <a:lstStyle/>
           <a:p>
-            <a:endParaRPr lang="en-US" dirty="0"/>
-          </a:p>
-        </p:txBody>
-      </p:sp>
-      <p:sp>
-        <p:nvSpPr>
-          <p:cNvPr id="4" name="Slide Number Placeholder 3"/>
-          <p:cNvSpPr>
-            <a:spLocks noGrp="1"/>
-          </p:cNvSpPr>
-          <p:nvPr>
-            <p:ph type="sldNum" sz="quarter" idx="10"/>
-          </p:nvPr>
-        </p:nvSpPr>
-        <p:spPr/>
-        <p:txBody>
-          <a:bodyPr/>
-          <a:lstStyle/>
-          <a:p>
             <a:fld id="{C5317951-4F10-2244-A48F-9965807DBCDD}" type="slidenum">
               <a:rPr lang="en-US" smtClean="0"/>
-              <a:t>3</a:t>
+              <a:t>4</a:t>
             </a:fld>
             <a:endParaRPr lang="en-US"/>
           </a:p>
@@ -578,7 +588,12 @@
             <p:ph type="sldImg"/>
           </p:nvPr>
         </p:nvSpPr>
-        <p:spPr/>
+        <p:spPr>
+          <a:xfrm>
+            <a:off x="685800" y="1143000"/>
+            <a:ext cx="5486400" cy="3086100"/>
+          </a:xfrm>
+        </p:spPr>
       </p:sp>
       <p:sp>
         <p:nvSpPr>
@@ -620,7 +635,7 @@
           <a:p>
             <a:fld id="{C5317951-4F10-2244-A48F-9965807DBCDD}" type="slidenum">
               <a:rPr lang="en-US" smtClean="0"/>
-              <a:t>4</a:t>
+              <a:t>5</a:t>
             </a:fld>
             <a:endParaRPr lang="en-US"/>
           </a:p>
@@ -666,16 +681,40 @@
             <p:ph type="sldImg"/>
           </p:nvPr>
         </p:nvSpPr>
+        <p:spPr>
+          <a:xfrm>
+            <a:off x="685800" y="1143000"/>
+            <a:ext cx="5486400" cy="3086100"/>
+          </a:xfrm>
+        </p:spPr>
+      </p:sp>
+      <p:sp>
+        <p:nvSpPr>
+          <p:cNvPr id="3" name="Notes Placeholder 2"/>
+          <p:cNvSpPr>
+            <a:spLocks noGrp="1"/>
+          </p:cNvSpPr>
+          <p:nvPr>
+            <p:ph type="body" idx="1"/>
+          </p:nvPr>
+        </p:nvSpPr>
         <p:spPr/>
-      </p:sp>
-      <p:sp>
-        <p:nvSpPr>
-          <p:cNvPr id="3" name="Notes Placeholder 2"/>
-          <p:cNvSpPr>
-            <a:spLocks noGrp="1"/>
-          </p:cNvSpPr>
-          <p:nvPr>
-            <p:ph type="body" idx="1"/>
+        <p:txBody>
+          <a:bodyPr/>
+          <a:lstStyle/>
+          <a:p>
+            <a:endParaRPr lang="en-US" dirty="0"/>
+          </a:p>
+        </p:txBody>
+      </p:sp>
+      <p:sp>
+        <p:nvSpPr>
+          <p:cNvPr id="4" name="Slide Number Placeholder 3"/>
+          <p:cNvSpPr>
+            <a:spLocks noGrp="1"/>
+          </p:cNvSpPr>
+          <p:nvPr>
+            <p:ph type="sldNum" sz="quarter" idx="10"/>
           </p:nvPr>
         </p:nvSpPr>
         <p:spPr/>
@@ -683,28 +722,9 @@
           <a:bodyPr/>
           <a:lstStyle/>
           <a:p>
-            <a:endParaRPr lang="en-US" dirty="0"/>
-          </a:p>
-        </p:txBody>
-      </p:sp>
-      <p:sp>
-        <p:nvSpPr>
-          <p:cNvPr id="4" name="Slide Number Placeholder 3"/>
-          <p:cNvSpPr>
-            <a:spLocks noGrp="1"/>
-          </p:cNvSpPr>
-          <p:nvPr>
-            <p:ph type="sldNum" sz="quarter" idx="10"/>
-          </p:nvPr>
-        </p:nvSpPr>
-        <p:spPr/>
-        <p:txBody>
-          <a:bodyPr/>
-          <a:lstStyle/>
-          <a:p>
             <a:fld id="{C5317951-4F10-2244-A48F-9965807DBCDD}" type="slidenum">
               <a:rPr lang="en-US" smtClean="0"/>
-              <a:t>5</a:t>
+              <a:t>6</a:t>
             </a:fld>
             <a:endParaRPr lang="en-US"/>
           </a:p>
@@ -797,7 +817,7 @@
     </p:spTree>
     <p:extLst>
       <p:ext uri="{BB962C8B-B14F-4D97-AF65-F5344CB8AC3E}">
-        <p14:creationId xmlns:p14="http://schemas.microsoft.com/office/powerpoint/2010/main" val="1249384162"/>
+        <p14:creationId xmlns:p14="http://schemas.microsoft.com/office/powerpoint/2010/main" val="1431671057"/>
       </p:ext>
     </p:extLst>
   </p:cSld>
@@ -836,8 +856,8 @@
         </p:nvSpPr>
         <p:spPr>
           <a:xfrm>
-            <a:off x="1751012" y="609601"/>
-            <a:ext cx="8676222" cy="3200400"/>
+            <a:off x="1751013" y="609601"/>
+            <a:ext cx="8676223" cy="3200400"/>
           </a:xfrm>
         </p:spPr>
         <p:txBody>
@@ -885,8 +905,8 @@
         </p:nvSpPr>
         <p:spPr>
           <a:xfrm>
-            <a:off x="1751012" y="3886200"/>
-            <a:ext cx="8676222" cy="1905000"/>
+            <a:off x="1751013" y="3886200"/>
+            <a:ext cx="8676223" cy="1905000"/>
           </a:xfrm>
         </p:spPr>
         <p:txBody>
@@ -913,7 +933,7 @@
                 </a:gradFill>
               </a:defRPr>
             </a:lvl1pPr>
-            <a:lvl2pPr marL="457200" indent="0" algn="ctr">
+            <a:lvl2pPr marL="457189" indent="0" algn="ctr">
               <a:buNone/>
               <a:defRPr>
                 <a:solidFill>
@@ -923,7 +943,7 @@
                 </a:solidFill>
               </a:defRPr>
             </a:lvl2pPr>
-            <a:lvl3pPr marL="914400" indent="0" algn="ctr">
+            <a:lvl3pPr marL="914377" indent="0" algn="ctr">
               <a:buNone/>
               <a:defRPr>
                 <a:solidFill>
@@ -933,7 +953,7 @@
                 </a:solidFill>
               </a:defRPr>
             </a:lvl3pPr>
-            <a:lvl4pPr marL="1371600" indent="0" algn="ctr">
+            <a:lvl4pPr marL="1371566" indent="0" algn="ctr">
               <a:buNone/>
               <a:defRPr>
                 <a:solidFill>
@@ -943,7 +963,7 @@
                 </a:solidFill>
               </a:defRPr>
             </a:lvl4pPr>
-            <a:lvl5pPr marL="1828800" indent="0" algn="ctr">
+            <a:lvl5pPr marL="1828754" indent="0" algn="ctr">
               <a:buNone/>
               <a:defRPr>
                 <a:solidFill>
@@ -953,7 +973,7 @@
                 </a:solidFill>
               </a:defRPr>
             </a:lvl5pPr>
-            <a:lvl6pPr marL="2286000" indent="0" algn="ctr">
+            <a:lvl6pPr marL="2285943" indent="0" algn="ctr">
               <a:buNone/>
               <a:defRPr>
                 <a:solidFill>
@@ -963,7 +983,7 @@
                 </a:solidFill>
               </a:defRPr>
             </a:lvl6pPr>
-            <a:lvl7pPr marL="2743200" indent="0" algn="ctr">
+            <a:lvl7pPr marL="2743131" indent="0" algn="ctr">
               <a:buNone/>
               <a:defRPr>
                 <a:solidFill>
@@ -973,7 +993,7 @@
                 </a:solidFill>
               </a:defRPr>
             </a:lvl7pPr>
-            <a:lvl8pPr marL="3200400" indent="0" algn="ctr">
+            <a:lvl8pPr marL="3200320" indent="0" algn="ctr">
               <a:buNone/>
               <a:defRPr>
                 <a:solidFill>
@@ -983,7 +1003,7 @@
                 </a:solidFill>
               </a:defRPr>
             </a:lvl8pPr>
-            <a:lvl9pPr marL="3657600" indent="0" algn="ctr">
+            <a:lvl9pPr marL="3657509" indent="0" algn="ctr">
               <a:buNone/>
               <a:defRPr>
                 <a:solidFill>
@@ -1021,7 +1041,7 @@
             <a:fld id="{B61BEF0D-F0BB-DE4B-95CE-6DB70DBA9567}" type="datetimeFigureOut">
               <a:rPr lang="en-US" dirty="0"/>
               <a:pPr/>
-              <a:t>12/8/15</a:t>
+              <a:t>12/9/2015</a:t>
             </a:fld>
             <a:endParaRPr lang="en-US" dirty="0"/>
           </a:p>
@@ -1182,35 +1202,35 @@
               <a:buNone/>
               <a:defRPr sz="1600"/>
             </a:lvl1pPr>
-            <a:lvl2pPr marL="457200" indent="0">
+            <a:lvl2pPr marL="457189" indent="0">
               <a:buNone/>
               <a:defRPr sz="1600"/>
             </a:lvl2pPr>
-            <a:lvl3pPr marL="914400" indent="0">
+            <a:lvl3pPr marL="914377" indent="0">
               <a:buNone/>
               <a:defRPr sz="1600"/>
             </a:lvl3pPr>
-            <a:lvl4pPr marL="1371600" indent="0">
+            <a:lvl4pPr marL="1371566" indent="0">
               <a:buNone/>
               <a:defRPr sz="1600"/>
             </a:lvl4pPr>
-            <a:lvl5pPr marL="1828800" indent="0">
+            <a:lvl5pPr marL="1828754" indent="0">
               <a:buNone/>
               <a:defRPr sz="1600"/>
             </a:lvl5pPr>
-            <a:lvl6pPr marL="2286000" indent="0">
+            <a:lvl6pPr marL="2285943" indent="0">
               <a:buNone/>
               <a:defRPr sz="1600"/>
             </a:lvl6pPr>
-            <a:lvl7pPr marL="2743200" indent="0">
+            <a:lvl7pPr marL="2743131" indent="0">
               <a:buNone/>
               <a:defRPr sz="1600"/>
             </a:lvl7pPr>
-            <a:lvl8pPr marL="3200400" indent="0">
+            <a:lvl8pPr marL="3200320" indent="0">
               <a:buNone/>
               <a:defRPr sz="1600"/>
             </a:lvl8pPr>
-            <a:lvl9pPr marL="3657600" indent="0">
+            <a:lvl9pPr marL="3657509" indent="0">
               <a:buNone/>
               <a:defRPr sz="1600"/>
             </a:lvl9pPr>
@@ -1249,35 +1269,35 @@
               <a:buNone/>
               <a:defRPr sz="1400"/>
             </a:lvl1pPr>
-            <a:lvl2pPr marL="457200" indent="0">
+            <a:lvl2pPr marL="457189" indent="0">
               <a:buNone/>
               <a:defRPr sz="1200"/>
             </a:lvl2pPr>
-            <a:lvl3pPr marL="914400" indent="0">
+            <a:lvl3pPr marL="914377" indent="0">
               <a:buNone/>
               <a:defRPr sz="1000"/>
             </a:lvl3pPr>
-            <a:lvl4pPr marL="1371600" indent="0">
+            <a:lvl4pPr marL="1371566" indent="0">
               <a:buNone/>
               <a:defRPr sz="900"/>
             </a:lvl4pPr>
-            <a:lvl5pPr marL="1828800" indent="0">
+            <a:lvl5pPr marL="1828754" indent="0">
               <a:buNone/>
               <a:defRPr sz="900"/>
             </a:lvl5pPr>
-            <a:lvl6pPr marL="2286000" indent="0">
+            <a:lvl6pPr marL="2285943" indent="0">
               <a:buNone/>
               <a:defRPr sz="900"/>
             </a:lvl6pPr>
-            <a:lvl7pPr marL="2743200" indent="0">
+            <a:lvl7pPr marL="2743131" indent="0">
               <a:buNone/>
               <a:defRPr sz="900"/>
             </a:lvl7pPr>
-            <a:lvl8pPr marL="3200400" indent="0">
+            <a:lvl8pPr marL="3200320" indent="0">
               <a:buNone/>
               <a:defRPr sz="900"/>
             </a:lvl8pPr>
-            <a:lvl9pPr marL="3657600" indent="0">
+            <a:lvl9pPr marL="3657509" indent="0">
               <a:buNone/>
               <a:defRPr sz="900"/>
             </a:lvl9pPr>
@@ -1309,7 +1329,7 @@
             <a:fld id="{B61BEF0D-F0BB-DE4B-95CE-6DB70DBA9567}" type="datetimeFigureOut">
               <a:rPr lang="en-US" dirty="0"/>
               <a:pPr/>
-              <a:t>12/8/15</a:t>
+              <a:t>12/9/2015</a:t>
             </a:fld>
             <a:endParaRPr lang="en-US" dirty="0"/>
           </a:p>
@@ -1395,7 +1415,7 @@
         </p:nvSpPr>
         <p:spPr>
           <a:xfrm>
-            <a:off x="1141412" y="609601"/>
+            <a:off x="1141414" y="609603"/>
             <a:ext cx="9905999" cy="3124199"/>
           </a:xfrm>
         </p:spPr>
@@ -1457,7 +1477,7 @@
                 </a:gradFill>
               </a:defRPr>
             </a:lvl1pPr>
-            <a:lvl2pPr marL="457200" indent="0">
+            <a:lvl2pPr marL="457189" indent="0">
               <a:buNone/>
               <a:defRPr sz="1800">
                 <a:solidFill>
@@ -1467,7 +1487,7 @@
                 </a:solidFill>
               </a:defRPr>
             </a:lvl2pPr>
-            <a:lvl3pPr marL="914400" indent="0">
+            <a:lvl3pPr marL="914377" indent="0">
               <a:buNone/>
               <a:defRPr sz="1600">
                 <a:solidFill>
@@ -1477,7 +1497,7 @@
                 </a:solidFill>
               </a:defRPr>
             </a:lvl3pPr>
-            <a:lvl4pPr marL="1371600" indent="0">
+            <a:lvl4pPr marL="1371566" indent="0">
               <a:buNone/>
               <a:defRPr sz="1400">
                 <a:solidFill>
@@ -1487,7 +1507,7 @@
                 </a:solidFill>
               </a:defRPr>
             </a:lvl4pPr>
-            <a:lvl5pPr marL="1828800" indent="0">
+            <a:lvl5pPr marL="1828754" indent="0">
               <a:buNone/>
               <a:defRPr sz="1400">
                 <a:solidFill>
@@ -1497,7 +1517,7 @@
                 </a:solidFill>
               </a:defRPr>
             </a:lvl5pPr>
-            <a:lvl6pPr marL="2286000" indent="0">
+            <a:lvl6pPr marL="2285943" indent="0">
               <a:buNone/>
               <a:defRPr sz="1400">
                 <a:solidFill>
@@ -1507,7 +1527,7 @@
                 </a:solidFill>
               </a:defRPr>
             </a:lvl6pPr>
-            <a:lvl7pPr marL="2743200" indent="0">
+            <a:lvl7pPr marL="2743131" indent="0">
               <a:buNone/>
               <a:defRPr sz="1400">
                 <a:solidFill>
@@ -1517,7 +1537,7 @@
                 </a:solidFill>
               </a:defRPr>
             </a:lvl7pPr>
-            <a:lvl8pPr marL="3200400" indent="0">
+            <a:lvl8pPr marL="3200320" indent="0">
               <a:buNone/>
               <a:defRPr sz="1400">
                 <a:solidFill>
@@ -1527,7 +1547,7 @@
                 </a:solidFill>
               </a:defRPr>
             </a:lvl8pPr>
-            <a:lvl9pPr marL="3657600" indent="0">
+            <a:lvl9pPr marL="3657509" indent="0">
               <a:buNone/>
               <a:defRPr sz="1400">
                 <a:solidFill>
@@ -1565,7 +1585,7 @@
             <a:fld id="{B61BEF0D-F0BB-DE4B-95CE-6DB70DBA9567}" type="datetimeFigureOut">
               <a:rPr lang="en-US" dirty="0"/>
               <a:pPr/>
-              <a:t>12/8/15</a:t>
+              <a:t>12/9/2015</a:t>
             </a:fld>
             <a:endParaRPr lang="en-US" dirty="0"/>
           </a:p>
@@ -1881,8 +1901,8 @@
         </p:nvSpPr>
         <p:spPr>
           <a:xfrm>
-            <a:off x="1446213" y="609601"/>
-            <a:ext cx="9296398" cy="2743199"/>
+            <a:off x="1446214" y="609603"/>
+            <a:ext cx="9296399" cy="2743199"/>
           </a:xfrm>
         </p:spPr>
         <p:txBody>
@@ -1920,7 +1940,7 @@
         <p:spPr>
           <a:xfrm>
             <a:off x="1674812" y="3352800"/>
-            <a:ext cx="8839202" cy="381000"/>
+            <a:ext cx="8839203" cy="381000"/>
           </a:xfrm>
         </p:spPr>
         <p:txBody>
@@ -1931,22 +1951,22 @@
               <a:buNone/>
               <a:defRPr/>
             </a:lvl1pPr>
-            <a:lvl2pPr marL="457200" indent="0">
+            <a:lvl2pPr marL="457189" indent="0">
               <a:buFontTx/>
               <a:buNone/>
               <a:defRPr/>
             </a:lvl2pPr>
-            <a:lvl3pPr marL="914400" indent="0">
+            <a:lvl3pPr marL="914377" indent="0">
               <a:buFontTx/>
               <a:buNone/>
               <a:defRPr/>
             </a:lvl3pPr>
-            <a:lvl4pPr marL="1371600" indent="0">
+            <a:lvl4pPr marL="1371566" indent="0">
               <a:buFontTx/>
               <a:buNone/>
               <a:defRPr/>
             </a:lvl4pPr>
-            <a:lvl5pPr marL="1828800" indent="0">
+            <a:lvl5pPr marL="1828754" indent="0">
               <a:buFontTx/>
               <a:buNone/>
               <a:defRPr/>
@@ -2031,7 +2051,7 @@
             <a:fld id="{B61BEF0D-F0BB-DE4B-95CE-6DB70DBA9567}" type="datetimeFigureOut">
               <a:rPr lang="en-US" dirty="0"/>
               <a:pPr/>
-              <a:t>12/8/15</a:t>
+              <a:t>12/9/2015</a:t>
             </a:fld>
             <a:endParaRPr lang="en-US" dirty="0"/>
           </a:p>
@@ -2151,7 +2171,7 @@
         </p:nvSpPr>
         <p:spPr>
           <a:xfrm>
-            <a:off x="1141410" y="4777381"/>
+            <a:off x="1141412" y="4777381"/>
             <a:ext cx="9906001" cy="860400"/>
           </a:xfrm>
         </p:spPr>
@@ -2208,7 +2228,7 @@
             <a:fld id="{B61BEF0D-F0BB-DE4B-95CE-6DB70DBA9567}" type="datetimeFigureOut">
               <a:rPr lang="en-US" dirty="0"/>
               <a:pPr/>
-              <a:t>12/8/15</a:t>
+              <a:t>12/9/2015</a:t>
             </a:fld>
             <a:endParaRPr lang="en-US" dirty="0"/>
           </a:p>
@@ -2524,8 +2544,8 @@
         </p:nvSpPr>
         <p:spPr>
           <a:xfrm>
-            <a:off x="1446213" y="609601"/>
-            <a:ext cx="9296398" cy="2743199"/>
+            <a:off x="1446214" y="609603"/>
+            <a:ext cx="9296399" cy="2743199"/>
           </a:xfrm>
         </p:spPr>
         <p:txBody>
@@ -2673,7 +2693,7 @@
                 </a:gradFill>
               </a:defRPr>
             </a:lvl1pPr>
-            <a:lvl2pPr marL="457200" indent="0">
+            <a:lvl2pPr marL="457189" indent="0">
               <a:buNone/>
               <a:defRPr sz="1800">
                 <a:solidFill>
@@ -2683,7 +2703,7 @@
                 </a:solidFill>
               </a:defRPr>
             </a:lvl2pPr>
-            <a:lvl3pPr marL="914400" indent="0">
+            <a:lvl3pPr marL="914377" indent="0">
               <a:buNone/>
               <a:defRPr sz="1600">
                 <a:solidFill>
@@ -2693,7 +2713,7 @@
                 </a:solidFill>
               </a:defRPr>
             </a:lvl3pPr>
-            <a:lvl4pPr marL="1371600" indent="0">
+            <a:lvl4pPr marL="1371566" indent="0">
               <a:buNone/>
               <a:defRPr sz="1400">
                 <a:solidFill>
@@ -2703,7 +2723,7 @@
                 </a:solidFill>
               </a:defRPr>
             </a:lvl4pPr>
-            <a:lvl5pPr marL="1828800" indent="0">
+            <a:lvl5pPr marL="1828754" indent="0">
               <a:buNone/>
               <a:defRPr sz="1400">
                 <a:solidFill>
@@ -2713,7 +2733,7 @@
                 </a:solidFill>
               </a:defRPr>
             </a:lvl5pPr>
-            <a:lvl6pPr marL="2286000" indent="0">
+            <a:lvl6pPr marL="2285943" indent="0">
               <a:buNone/>
               <a:defRPr sz="1400">
                 <a:solidFill>
@@ -2723,7 +2743,7 @@
                 </a:solidFill>
               </a:defRPr>
             </a:lvl6pPr>
-            <a:lvl7pPr marL="2743200" indent="0">
+            <a:lvl7pPr marL="2743131" indent="0">
               <a:buNone/>
               <a:defRPr sz="1400">
                 <a:solidFill>
@@ -2733,7 +2753,7 @@
                 </a:solidFill>
               </a:defRPr>
             </a:lvl7pPr>
-            <a:lvl8pPr marL="3200400" indent="0">
+            <a:lvl8pPr marL="3200320" indent="0">
               <a:buNone/>
               <a:defRPr sz="1400">
                 <a:solidFill>
@@ -2743,7 +2763,7 @@
                 </a:solidFill>
               </a:defRPr>
             </a:lvl8pPr>
-            <a:lvl9pPr marL="3657600" indent="0">
+            <a:lvl9pPr marL="3657509" indent="0">
               <a:buNone/>
               <a:defRPr sz="1400">
                 <a:solidFill>
@@ -2781,7 +2801,7 @@
             <a:fld id="{B61BEF0D-F0BB-DE4B-95CE-6DB70DBA9567}" type="datetimeFigureOut">
               <a:rPr lang="en-US" dirty="0"/>
               <a:pPr/>
-              <a:t>12/8/15</a:t>
+              <a:t>12/9/2015</a:t>
             </a:fld>
             <a:endParaRPr lang="en-US" dirty="0"/>
           </a:p>
@@ -2867,7 +2887,7 @@
         </p:nvSpPr>
         <p:spPr>
           <a:xfrm>
-            <a:off x="1141412" y="609601"/>
+            <a:off x="1141414" y="609603"/>
             <a:ext cx="9905999" cy="2743199"/>
           </a:xfrm>
         </p:spPr>
@@ -3002,7 +3022,7 @@
                 </a:gradFill>
               </a:defRPr>
             </a:lvl1pPr>
-            <a:lvl2pPr marL="457200" indent="0">
+            <a:lvl2pPr marL="457189" indent="0">
               <a:buNone/>
               <a:defRPr sz="1800">
                 <a:solidFill>
@@ -3012,7 +3032,7 @@
                 </a:solidFill>
               </a:defRPr>
             </a:lvl2pPr>
-            <a:lvl3pPr marL="914400" indent="0">
+            <a:lvl3pPr marL="914377" indent="0">
               <a:buNone/>
               <a:defRPr sz="1600">
                 <a:solidFill>
@@ -3022,7 +3042,7 @@
                 </a:solidFill>
               </a:defRPr>
             </a:lvl3pPr>
-            <a:lvl4pPr marL="1371600" indent="0">
+            <a:lvl4pPr marL="1371566" indent="0">
               <a:buNone/>
               <a:defRPr sz="1400">
                 <a:solidFill>
@@ -3032,7 +3052,7 @@
                 </a:solidFill>
               </a:defRPr>
             </a:lvl4pPr>
-            <a:lvl5pPr marL="1828800" indent="0">
+            <a:lvl5pPr marL="1828754" indent="0">
               <a:buNone/>
               <a:defRPr sz="1400">
                 <a:solidFill>
@@ -3042,7 +3062,7 @@
                 </a:solidFill>
               </a:defRPr>
             </a:lvl5pPr>
-            <a:lvl6pPr marL="2286000" indent="0">
+            <a:lvl6pPr marL="2285943" indent="0">
               <a:buNone/>
               <a:defRPr sz="1400">
                 <a:solidFill>
@@ -3052,7 +3072,7 @@
                 </a:solidFill>
               </a:defRPr>
             </a:lvl6pPr>
-            <a:lvl7pPr marL="2743200" indent="0">
+            <a:lvl7pPr marL="2743131" indent="0">
               <a:buNone/>
               <a:defRPr sz="1400">
                 <a:solidFill>
@@ -3062,7 +3082,7 @@
                 </a:solidFill>
               </a:defRPr>
             </a:lvl7pPr>
-            <a:lvl8pPr marL="3200400" indent="0">
+            <a:lvl8pPr marL="3200320" indent="0">
               <a:buNone/>
               <a:defRPr sz="1400">
                 <a:solidFill>
@@ -3072,7 +3092,7 @@
                 </a:solidFill>
               </a:defRPr>
             </a:lvl8pPr>
-            <a:lvl9pPr marL="3657600" indent="0">
+            <a:lvl9pPr marL="3657509" indent="0">
               <a:buNone/>
               <a:defRPr sz="1400">
                 <a:solidFill>
@@ -3110,7 +3130,7 @@
             <a:fld id="{B61BEF0D-F0BB-DE4B-95CE-6DB70DBA9567}" type="datetimeFigureOut">
               <a:rPr lang="en-US" dirty="0"/>
               <a:pPr/>
-              <a:t>12/8/15</a:t>
+              <a:t>12/9/2015</a:t>
             </a:fld>
             <a:endParaRPr lang="en-US" dirty="0"/>
           </a:p>
@@ -3196,8 +3216,8 @@
         </p:nvSpPr>
         <p:spPr>
           <a:xfrm>
-            <a:off x="1141413" y="609600"/>
-            <a:ext cx="9905998" cy="1905000"/>
+            <a:off x="1141414" y="609600"/>
+            <a:ext cx="9905999" cy="1905000"/>
           </a:xfrm>
         </p:spPr>
         <p:txBody>
@@ -3282,7 +3302,7 @@
             <a:fld id="{B61BEF0D-F0BB-DE4B-95CE-6DB70DBA9567}" type="datetimeFigureOut">
               <a:rPr lang="en-US" dirty="0"/>
               <a:pPr/>
-              <a:t>12/8/15</a:t>
+              <a:t>12/9/2015</a:t>
             </a:fld>
             <a:endParaRPr lang="en-US" dirty="0"/>
           </a:p>
@@ -3368,8 +3388,8 @@
         </p:nvSpPr>
         <p:spPr>
           <a:xfrm>
-            <a:off x="8836898" y="609599"/>
-            <a:ext cx="2210514" cy="5181601"/>
+            <a:off x="8836897" y="609601"/>
+            <a:ext cx="2210515" cy="5181601"/>
           </a:xfrm>
         </p:spPr>
         <p:txBody>
@@ -3459,7 +3479,7 @@
             <a:fld id="{B61BEF0D-F0BB-DE4B-95CE-6DB70DBA9567}" type="datetimeFigureOut">
               <a:rPr lang="en-US" dirty="0"/>
               <a:pPr/>
-              <a:t>12/8/15</a:t>
+              <a:t>12/9/2015</a:t>
             </a:fld>
             <a:endParaRPr lang="en-US" dirty="0"/>
           </a:p>
@@ -3626,7 +3646,7 @@
             <a:fld id="{B61BEF0D-F0BB-DE4B-95CE-6DB70DBA9567}" type="datetimeFigureOut">
               <a:rPr lang="en-US" dirty="0"/>
               <a:pPr/>
-              <a:t>12/8/15</a:t>
+              <a:t>12/9/2015</a:t>
             </a:fld>
             <a:endParaRPr lang="en-US" dirty="0"/>
           </a:p>
@@ -3744,7 +3764,7 @@
         </p:nvSpPr>
         <p:spPr>
           <a:xfrm>
-            <a:off x="1751011" y="4777381"/>
+            <a:off x="1751013" y="4777381"/>
             <a:ext cx="8686801" cy="860400"/>
           </a:xfrm>
         </p:spPr>
@@ -3772,7 +3792,7 @@
                 </a:gradFill>
               </a:defRPr>
             </a:lvl1pPr>
-            <a:lvl2pPr marL="457200" indent="0">
+            <a:lvl2pPr marL="457189" indent="0">
               <a:buNone/>
               <a:defRPr sz="1800">
                 <a:solidFill>
@@ -3782,7 +3802,7 @@
                 </a:solidFill>
               </a:defRPr>
             </a:lvl2pPr>
-            <a:lvl3pPr marL="914400" indent="0">
+            <a:lvl3pPr marL="914377" indent="0">
               <a:buNone/>
               <a:defRPr sz="1600">
                 <a:solidFill>
@@ -3792,7 +3812,7 @@
                 </a:solidFill>
               </a:defRPr>
             </a:lvl3pPr>
-            <a:lvl4pPr marL="1371600" indent="0">
+            <a:lvl4pPr marL="1371566" indent="0">
               <a:buNone/>
               <a:defRPr sz="1400">
                 <a:solidFill>
@@ -3802,7 +3822,7 @@
                 </a:solidFill>
               </a:defRPr>
             </a:lvl4pPr>
-            <a:lvl5pPr marL="1828800" indent="0">
+            <a:lvl5pPr marL="1828754" indent="0">
               <a:buNone/>
               <a:defRPr sz="1400">
                 <a:solidFill>
@@ -3812,7 +3832,7 @@
                 </a:solidFill>
               </a:defRPr>
             </a:lvl5pPr>
-            <a:lvl6pPr marL="2286000" indent="0">
+            <a:lvl6pPr marL="2285943" indent="0">
               <a:buNone/>
               <a:defRPr sz="1400">
                 <a:solidFill>
@@ -3822,7 +3842,7 @@
                 </a:solidFill>
               </a:defRPr>
             </a:lvl6pPr>
-            <a:lvl7pPr marL="2743200" indent="0">
+            <a:lvl7pPr marL="2743131" indent="0">
               <a:buNone/>
               <a:defRPr sz="1400">
                 <a:solidFill>
@@ -3832,7 +3852,7 @@
                 </a:solidFill>
               </a:defRPr>
             </a:lvl7pPr>
-            <a:lvl8pPr marL="3200400" indent="0">
+            <a:lvl8pPr marL="3200320" indent="0">
               <a:buNone/>
               <a:defRPr sz="1400">
                 <a:solidFill>
@@ -3842,7 +3862,7 @@
                 </a:solidFill>
               </a:defRPr>
             </a:lvl8pPr>
-            <a:lvl9pPr marL="3657600" indent="0">
+            <a:lvl9pPr marL="3657509" indent="0">
               <a:buNone/>
               <a:defRPr sz="1400">
                 <a:solidFill>
@@ -3880,7 +3900,7 @@
             <a:fld id="{B61BEF0D-F0BB-DE4B-95CE-6DB70DBA9567}" type="datetimeFigureOut">
               <a:rPr lang="en-US" dirty="0"/>
               <a:pPr/>
-              <a:t>12/8/15</a:t>
+              <a:t>12/9/2015</a:t>
             </a:fld>
             <a:endParaRPr lang="en-US" dirty="0"/>
           </a:p>
@@ -3989,7 +4009,7 @@
         </p:nvSpPr>
         <p:spPr>
           <a:xfrm>
-            <a:off x="1141412" y="2666999"/>
+            <a:off x="1141412" y="2667001"/>
             <a:ext cx="4876800" cy="3124201"/>
           </a:xfrm>
         </p:spPr>
@@ -4169,7 +4189,7 @@
             <a:fld id="{B61BEF0D-F0BB-DE4B-95CE-6DB70DBA9567}" type="datetimeFigureOut">
               <a:rPr lang="en-US" dirty="0"/>
               <a:pPr/>
-              <a:t>12/8/15</a:t>
+              <a:t>12/9/2015</a:t>
             </a:fld>
             <a:endParaRPr lang="en-US" dirty="0"/>
           </a:p>
@@ -4282,7 +4302,7 @@
         </p:nvSpPr>
         <p:spPr>
           <a:xfrm>
-            <a:off x="1429280" y="2658533"/>
+            <a:off x="1429281" y="2658533"/>
             <a:ext cx="4588931" cy="576262"/>
           </a:xfrm>
         </p:spPr>
@@ -4295,35 +4315,35 @@
               <a:buNone/>
               <a:defRPr sz="2800" b="0"/>
             </a:lvl1pPr>
-            <a:lvl2pPr marL="457200" indent="0">
+            <a:lvl2pPr marL="457189" indent="0">
               <a:buNone/>
               <a:defRPr sz="2000" b="1"/>
             </a:lvl2pPr>
-            <a:lvl3pPr marL="914400" indent="0">
+            <a:lvl3pPr marL="914377" indent="0">
               <a:buNone/>
               <a:defRPr sz="1800" b="1"/>
             </a:lvl3pPr>
-            <a:lvl4pPr marL="1371600" indent="0">
+            <a:lvl4pPr marL="1371566" indent="0">
               <a:buNone/>
               <a:defRPr sz="1600" b="1"/>
             </a:lvl4pPr>
-            <a:lvl5pPr marL="1828800" indent="0">
+            <a:lvl5pPr marL="1828754" indent="0">
               <a:buNone/>
               <a:defRPr sz="1600" b="1"/>
             </a:lvl5pPr>
-            <a:lvl6pPr marL="2286000" indent="0">
+            <a:lvl6pPr marL="2285943" indent="0">
               <a:buNone/>
               <a:defRPr sz="1600" b="1"/>
             </a:lvl6pPr>
-            <a:lvl7pPr marL="2743200" indent="0">
+            <a:lvl7pPr marL="2743131" indent="0">
               <a:buNone/>
               <a:defRPr sz="1600" b="1"/>
             </a:lvl7pPr>
-            <a:lvl8pPr marL="3200400" indent="0">
+            <a:lvl8pPr marL="3200320" indent="0">
               <a:buNone/>
               <a:defRPr sz="1600" b="1"/>
             </a:lvl8pPr>
-            <a:lvl9pPr marL="3657600" indent="0">
+            <a:lvl9pPr marL="3657509" indent="0">
               <a:buNone/>
               <a:defRPr sz="1600" b="1"/>
             </a:lvl9pPr>
@@ -4349,7 +4369,7 @@
         </p:nvSpPr>
         <p:spPr>
           <a:xfrm>
-            <a:off x="1141412" y="3243262"/>
+            <a:off x="1141412" y="3243264"/>
             <a:ext cx="4876800" cy="2547937"/>
           </a:xfrm>
         </p:spPr>
@@ -4449,35 +4469,35 @@
               <a:buNone/>
               <a:defRPr sz="2800" b="0"/>
             </a:lvl1pPr>
-            <a:lvl2pPr marL="457200" indent="0">
+            <a:lvl2pPr marL="457189" indent="0">
               <a:buNone/>
               <a:defRPr sz="2000" b="1"/>
             </a:lvl2pPr>
-            <a:lvl3pPr marL="914400" indent="0">
+            <a:lvl3pPr marL="914377" indent="0">
               <a:buNone/>
               <a:defRPr sz="1800" b="1"/>
             </a:lvl3pPr>
-            <a:lvl4pPr marL="1371600" indent="0">
+            <a:lvl4pPr marL="1371566" indent="0">
               <a:buNone/>
               <a:defRPr sz="1600" b="1"/>
             </a:lvl4pPr>
-            <a:lvl5pPr marL="1828800" indent="0">
+            <a:lvl5pPr marL="1828754" indent="0">
               <a:buNone/>
               <a:defRPr sz="1600" b="1"/>
             </a:lvl5pPr>
-            <a:lvl6pPr marL="2286000" indent="0">
+            <a:lvl6pPr marL="2285943" indent="0">
               <a:buNone/>
               <a:defRPr sz="1600" b="1"/>
             </a:lvl6pPr>
-            <a:lvl7pPr marL="2743200" indent="0">
+            <a:lvl7pPr marL="2743131" indent="0">
               <a:buNone/>
               <a:defRPr sz="1600" b="1"/>
             </a:lvl7pPr>
-            <a:lvl8pPr marL="3200400" indent="0">
+            <a:lvl8pPr marL="3200320" indent="0">
               <a:buNone/>
               <a:defRPr sz="1600" b="1"/>
             </a:lvl8pPr>
-            <a:lvl9pPr marL="3657600" indent="0">
+            <a:lvl9pPr marL="3657509" indent="0">
               <a:buNone/>
               <a:defRPr sz="1600" b="1"/>
             </a:lvl9pPr>
@@ -4503,7 +4523,7 @@
         </p:nvSpPr>
         <p:spPr>
           <a:xfrm>
-            <a:off x="6170612" y="3243262"/>
+            <a:off x="6170613" y="3243264"/>
             <a:ext cx="4876801" cy="2547937"/>
           </a:xfrm>
         </p:spPr>
@@ -4596,7 +4616,7 @@
             <a:fld id="{B61BEF0D-F0BB-DE4B-95CE-6DB70DBA9567}" type="datetimeFigureOut">
               <a:rPr lang="en-US" dirty="0"/>
               <a:pPr/>
-              <a:t>12/8/15</a:t>
+              <a:t>12/9/2015</a:t>
             </a:fld>
             <a:endParaRPr lang="en-US" dirty="0"/>
           </a:p>
@@ -4711,7 +4731,7 @@
             <a:fld id="{B61BEF0D-F0BB-DE4B-95CE-6DB70DBA9567}" type="datetimeFigureOut">
               <a:rPr lang="en-US" dirty="0"/>
               <a:pPr/>
-              <a:t>12/8/15</a:t>
+              <a:t>12/9/2015</a:t>
             </a:fld>
             <a:endParaRPr lang="en-US" dirty="0"/>
           </a:p>
@@ -4803,7 +4823,7 @@
             <a:fld id="{B61BEF0D-F0BB-DE4B-95CE-6DB70DBA9567}" type="datetimeFigureOut">
               <a:rPr lang="en-US" dirty="0"/>
               <a:pPr/>
-              <a:t>12/8/15</a:t>
+              <a:t>12/9/2015</a:t>
             </a:fld>
             <a:endParaRPr lang="en-US" dirty="0"/>
           </a:p>
@@ -4889,7 +4909,7 @@
         </p:nvSpPr>
         <p:spPr>
           <a:xfrm>
-            <a:off x="1141411" y="1600200"/>
+            <a:off x="1141413" y="1600200"/>
             <a:ext cx="3549121" cy="1371600"/>
           </a:xfrm>
         </p:spPr>
@@ -4923,7 +4943,7 @@
         </p:nvSpPr>
         <p:spPr>
           <a:xfrm>
-            <a:off x="5103812" y="609601"/>
+            <a:off x="5103813" y="609601"/>
             <a:ext cx="5943601" cy="5181600"/>
           </a:xfrm>
         </p:spPr>
@@ -5010,7 +5030,7 @@
         </p:nvSpPr>
         <p:spPr>
           <a:xfrm>
-            <a:off x="1141411" y="2971800"/>
+            <a:off x="1141413" y="2971800"/>
             <a:ext cx="3549121" cy="1828800"/>
           </a:xfrm>
         </p:spPr>
@@ -5023,35 +5043,35 @@
               <a:buNone/>
               <a:defRPr sz="1600"/>
             </a:lvl1pPr>
-            <a:lvl2pPr marL="457200" indent="0">
+            <a:lvl2pPr marL="457189" indent="0">
               <a:buNone/>
               <a:defRPr sz="1200"/>
             </a:lvl2pPr>
-            <a:lvl3pPr marL="914400" indent="0">
+            <a:lvl3pPr marL="914377" indent="0">
               <a:buNone/>
               <a:defRPr sz="1000"/>
             </a:lvl3pPr>
-            <a:lvl4pPr marL="1371600" indent="0">
+            <a:lvl4pPr marL="1371566" indent="0">
               <a:buNone/>
               <a:defRPr sz="900"/>
             </a:lvl4pPr>
-            <a:lvl5pPr marL="1828800" indent="0">
+            <a:lvl5pPr marL="1828754" indent="0">
               <a:buNone/>
               <a:defRPr sz="900"/>
             </a:lvl5pPr>
-            <a:lvl6pPr marL="2286000" indent="0">
+            <a:lvl6pPr marL="2285943" indent="0">
               <a:buNone/>
               <a:defRPr sz="900"/>
             </a:lvl6pPr>
-            <a:lvl7pPr marL="2743200" indent="0">
+            <a:lvl7pPr marL="2743131" indent="0">
               <a:buNone/>
               <a:defRPr sz="900"/>
             </a:lvl7pPr>
-            <a:lvl8pPr marL="3200400" indent="0">
+            <a:lvl8pPr marL="3200320" indent="0">
               <a:buNone/>
               <a:defRPr sz="900"/>
             </a:lvl8pPr>
-            <a:lvl9pPr marL="3657600" indent="0">
+            <a:lvl9pPr marL="3657509" indent="0">
               <a:buNone/>
               <a:defRPr sz="900"/>
             </a:lvl9pPr>
@@ -5083,7 +5103,7 @@
             <a:fld id="{B61BEF0D-F0BB-DE4B-95CE-6DB70DBA9567}" type="datetimeFigureOut">
               <a:rPr lang="en-US" dirty="0"/>
               <a:pPr/>
-              <a:t>12/8/15</a:t>
+              <a:t>12/9/2015</a:t>
             </a:fld>
             <a:endParaRPr lang="en-US" dirty="0"/>
           </a:p>
@@ -5169,7 +5189,7 @@
         </p:nvSpPr>
         <p:spPr>
           <a:xfrm>
-            <a:off x="1141411" y="1600200"/>
+            <a:off x="1141413" y="1600200"/>
             <a:ext cx="5334001" cy="1371600"/>
           </a:xfrm>
         </p:spPr>
@@ -5203,7 +5223,7 @@
         </p:nvSpPr>
         <p:spPr>
           <a:xfrm>
-            <a:off x="7433733" y="-18288"/>
+            <a:off x="7433734" y="-18288"/>
             <a:ext cx="3276599" cy="6903720"/>
           </a:xfrm>
           <a:ln w="38100">
@@ -5239,35 +5259,35 @@
               <a:buNone/>
               <a:defRPr sz="1600"/>
             </a:lvl1pPr>
-            <a:lvl2pPr marL="457200" indent="0">
+            <a:lvl2pPr marL="457189" indent="0">
               <a:buNone/>
               <a:defRPr sz="1600"/>
             </a:lvl2pPr>
-            <a:lvl3pPr marL="914400" indent="0">
+            <a:lvl3pPr marL="914377" indent="0">
               <a:buNone/>
               <a:defRPr sz="1600"/>
             </a:lvl3pPr>
-            <a:lvl4pPr marL="1371600" indent="0">
+            <a:lvl4pPr marL="1371566" indent="0">
               <a:buNone/>
               <a:defRPr sz="1600"/>
             </a:lvl4pPr>
-            <a:lvl5pPr marL="1828800" indent="0">
+            <a:lvl5pPr marL="1828754" indent="0">
               <a:buNone/>
               <a:defRPr sz="1600"/>
             </a:lvl5pPr>
-            <a:lvl6pPr marL="2286000" indent="0">
+            <a:lvl6pPr marL="2285943" indent="0">
               <a:buNone/>
               <a:defRPr sz="1600"/>
             </a:lvl6pPr>
-            <a:lvl7pPr marL="2743200" indent="0">
+            <a:lvl7pPr marL="2743131" indent="0">
               <a:buNone/>
               <a:defRPr sz="1600"/>
             </a:lvl7pPr>
-            <a:lvl8pPr marL="3200400" indent="0">
+            <a:lvl8pPr marL="3200320" indent="0">
               <a:buNone/>
               <a:defRPr sz="1600"/>
             </a:lvl8pPr>
-            <a:lvl9pPr marL="3657600" indent="0">
+            <a:lvl9pPr marL="3657509" indent="0">
               <a:buNone/>
               <a:defRPr sz="1600"/>
             </a:lvl9pPr>
@@ -5293,7 +5313,7 @@
         </p:nvSpPr>
         <p:spPr>
           <a:xfrm>
-            <a:off x="1141411" y="2971800"/>
+            <a:off x="1141413" y="2971800"/>
             <a:ext cx="5334001" cy="1828800"/>
           </a:xfrm>
         </p:spPr>
@@ -5306,35 +5326,35 @@
               <a:buNone/>
               <a:defRPr sz="1800"/>
             </a:lvl1pPr>
-            <a:lvl2pPr marL="457200" indent="0">
+            <a:lvl2pPr marL="457189" indent="0">
               <a:buNone/>
               <a:defRPr sz="1200"/>
             </a:lvl2pPr>
-            <a:lvl3pPr marL="914400" indent="0">
+            <a:lvl3pPr marL="914377" indent="0">
               <a:buNone/>
               <a:defRPr sz="1000"/>
             </a:lvl3pPr>
-            <a:lvl4pPr marL="1371600" indent="0">
+            <a:lvl4pPr marL="1371566" indent="0">
               <a:buNone/>
               <a:defRPr sz="900"/>
             </a:lvl4pPr>
-            <a:lvl5pPr marL="1828800" indent="0">
+            <a:lvl5pPr marL="1828754" indent="0">
               <a:buNone/>
               <a:defRPr sz="900"/>
             </a:lvl5pPr>
-            <a:lvl6pPr marL="2286000" indent="0">
+            <a:lvl6pPr marL="2285943" indent="0">
               <a:buNone/>
               <a:defRPr sz="900"/>
             </a:lvl6pPr>
-            <a:lvl7pPr marL="2743200" indent="0">
+            <a:lvl7pPr marL="2743131" indent="0">
               <a:buNone/>
               <a:defRPr sz="900"/>
             </a:lvl7pPr>
-            <a:lvl8pPr marL="3200400" indent="0">
+            <a:lvl8pPr marL="3200320" indent="0">
               <a:buNone/>
               <a:defRPr sz="900"/>
             </a:lvl8pPr>
-            <a:lvl9pPr marL="3657600" indent="0">
+            <a:lvl9pPr marL="3657509" indent="0">
               <a:buNone/>
               <a:defRPr sz="900"/>
             </a:lvl9pPr>
@@ -5360,7 +5380,7 @@
         </p:nvSpPr>
         <p:spPr>
           <a:xfrm>
-            <a:off x="6399212" y="5883275"/>
+            <a:off x="6399212" y="5883277"/>
             <a:ext cx="914400" cy="365125"/>
           </a:xfrm>
         </p:spPr>
@@ -5371,7 +5391,7 @@
             <a:fld id="{B61BEF0D-F0BB-DE4B-95CE-6DB70DBA9567}" type="datetimeFigureOut">
               <a:rPr lang="en-US" dirty="0"/>
               <a:pPr/>
-              <a:t>12/8/15</a:t>
+              <a:t>12/9/2015</a:t>
             </a:fld>
             <a:endParaRPr lang="en-US" dirty="0"/>
           </a:p>
@@ -5389,7 +5409,7 @@
         </p:nvSpPr>
         <p:spPr>
           <a:xfrm>
-            <a:off x="1141412" y="5883275"/>
+            <a:off x="1141412" y="5883277"/>
             <a:ext cx="5105400" cy="365125"/>
           </a:xfrm>
         </p:spPr>
@@ -5413,7 +5433,7 @@
         </p:nvSpPr>
         <p:spPr>
           <a:xfrm>
-            <a:off x="10742612" y="5883275"/>
+            <a:off x="10742614" y="5883277"/>
             <a:ext cx="322567" cy="365125"/>
           </a:xfrm>
         </p:spPr>
@@ -5472,8 +5492,8 @@
         </p:nvSpPr>
         <p:spPr>
           <a:xfrm>
-            <a:off x="1141413" y="609600"/>
-            <a:ext cx="9905998" cy="1905000"/>
+            <a:off x="1141414" y="609600"/>
+            <a:ext cx="9905999" cy="1905000"/>
           </a:xfrm>
           <a:prstGeom prst="rect">
             <a:avLst/>
@@ -5505,8 +5525,8 @@
         </p:nvSpPr>
         <p:spPr>
           <a:xfrm>
-            <a:off x="1141413" y="2666999"/>
-            <a:ext cx="9905998" cy="3124201"/>
+            <a:off x="1141414" y="2667001"/>
+            <a:ext cx="9905999" cy="3124201"/>
           </a:xfrm>
           <a:prstGeom prst="rect">
             <a:avLst/>
@@ -5567,7 +5587,7 @@
         </p:nvSpPr>
         <p:spPr>
           <a:xfrm>
-            <a:off x="8837612" y="5883275"/>
+            <a:off x="8837612" y="5883277"/>
             <a:ext cx="1600200" cy="365125"/>
           </a:xfrm>
           <a:prstGeom prst="rect">
@@ -5599,7 +5619,7 @@
             <a:fld id="{B61BEF0D-F0BB-DE4B-95CE-6DB70DBA9567}" type="datetimeFigureOut">
               <a:rPr lang="en-US" dirty="0"/>
               <a:pPr/>
-              <a:t>12/8/15</a:t>
+              <a:t>12/9/2015</a:t>
             </a:fld>
             <a:endParaRPr lang="en-US" dirty="0"/>
           </a:p>
@@ -5617,7 +5637,7 @@
         </p:nvSpPr>
         <p:spPr>
           <a:xfrm>
-            <a:off x="1141412" y="5883275"/>
+            <a:off x="1141412" y="5883277"/>
             <a:ext cx="7543800" cy="365125"/>
           </a:xfrm>
           <a:prstGeom prst="rect">
@@ -5662,7 +5682,7 @@
         </p:nvSpPr>
         <p:spPr>
           <a:xfrm>
-            <a:off x="10514012" y="5883275"/>
+            <a:off x="10514014" y="5883277"/>
             <a:ext cx="551167" cy="365125"/>
           </a:xfrm>
           <a:prstGeom prst="rect">
@@ -5724,7 +5744,7 @@
   </p:sldLayoutIdLst>
   <p:txStyles>
     <p:titleStyle>
-      <a:lvl1pPr algn="l" defTabSz="457200" rtl="0" eaLnBrk="1" latinLnBrk="0" hangingPunct="1">
+      <a:lvl1pPr algn="l" defTabSz="457189" rtl="0" eaLnBrk="1" latinLnBrk="0" hangingPunct="1">
         <a:spcBef>
           <a:spcPct val="0"/>
         </a:spcBef>
@@ -5824,7 +5844,7 @@
       </a:lvl9pPr>
     </p:titleStyle>
     <p:bodyStyle>
-      <a:lvl1pPr marL="285750" indent="-285750" algn="l" defTabSz="457200" rtl="0" eaLnBrk="1" latinLnBrk="0" hangingPunct="1">
+      <a:lvl1pPr marL="285744" indent="-285744" algn="l" defTabSz="457189" rtl="0" eaLnBrk="1" latinLnBrk="0" hangingPunct="1">
         <a:spcBef>
           <a:spcPct val="20000"/>
         </a:spcBef>
@@ -5871,7 +5891,7 @@
           <a:cs typeface="+mn-cs"/>
         </a:defRPr>
       </a:lvl1pPr>
-      <a:lvl2pPr marL="742950" indent="-285750" algn="l" defTabSz="457200" rtl="0" eaLnBrk="1" latinLnBrk="0" hangingPunct="1">
+      <a:lvl2pPr marL="742932" indent="-285744" algn="l" defTabSz="457189" rtl="0" eaLnBrk="1" latinLnBrk="0" hangingPunct="1">
         <a:spcBef>
           <a:spcPct val="20000"/>
         </a:spcBef>
@@ -5918,7 +5938,7 @@
           <a:cs typeface="+mn-cs"/>
         </a:defRPr>
       </a:lvl2pPr>
-      <a:lvl3pPr marL="1200150" indent="-285750" algn="l" defTabSz="457200" rtl="0" eaLnBrk="1" latinLnBrk="0" hangingPunct="1">
+      <a:lvl3pPr marL="1200121" indent="-285744" algn="l" defTabSz="457189" rtl="0" eaLnBrk="1" latinLnBrk="0" hangingPunct="1">
         <a:spcBef>
           <a:spcPct val="20000"/>
         </a:spcBef>
@@ -5965,7 +5985,7 @@
           <a:cs typeface="+mn-cs"/>
         </a:defRPr>
       </a:lvl3pPr>
-      <a:lvl4pPr marL="1543050" indent="-171450" algn="l" defTabSz="457200" rtl="0" eaLnBrk="1" latinLnBrk="0" hangingPunct="1">
+      <a:lvl4pPr marL="1543012" indent="-171446" algn="l" defTabSz="457189" rtl="0" eaLnBrk="1" latinLnBrk="0" hangingPunct="1">
         <a:spcBef>
           <a:spcPct val="20000"/>
         </a:spcBef>
@@ -6012,7 +6032,7 @@
           <a:cs typeface="+mn-cs"/>
         </a:defRPr>
       </a:lvl4pPr>
-      <a:lvl5pPr marL="2000250" indent="-171450" algn="l" defTabSz="457200" rtl="0" eaLnBrk="1" latinLnBrk="0" hangingPunct="1">
+      <a:lvl5pPr marL="2000201" indent="-171446" algn="l" defTabSz="457189" rtl="0" eaLnBrk="1" latinLnBrk="0" hangingPunct="1">
         <a:spcBef>
           <a:spcPct val="20000"/>
         </a:spcBef>
@@ -6059,7 +6079,7 @@
           <a:cs typeface="+mn-cs"/>
         </a:defRPr>
       </a:lvl5pPr>
-      <a:lvl6pPr marL="2514600" indent="-228600" algn="l" defTabSz="457200" rtl="0" eaLnBrk="1" latinLnBrk="0" hangingPunct="1">
+      <a:lvl6pPr marL="2514537" indent="-228594" algn="l" defTabSz="457189" rtl="0" eaLnBrk="1" latinLnBrk="0" hangingPunct="1">
         <a:spcBef>
           <a:spcPct val="20000"/>
         </a:spcBef>
@@ -6106,7 +6126,7 @@
           <a:cs typeface="+mn-cs"/>
         </a:defRPr>
       </a:lvl6pPr>
-      <a:lvl7pPr marL="2971800" indent="-228600" algn="l" defTabSz="457200" rtl="0" eaLnBrk="1" latinLnBrk="0" hangingPunct="1">
+      <a:lvl7pPr marL="2971726" indent="-228594" algn="l" defTabSz="457189" rtl="0" eaLnBrk="1" latinLnBrk="0" hangingPunct="1">
         <a:spcBef>
           <a:spcPct val="20000"/>
         </a:spcBef>
@@ -6153,7 +6173,7 @@
           <a:cs typeface="+mn-cs"/>
         </a:defRPr>
       </a:lvl7pPr>
-      <a:lvl8pPr marL="3429000" indent="-228600" algn="l" defTabSz="457200" rtl="0" eaLnBrk="1" latinLnBrk="0" hangingPunct="1">
+      <a:lvl8pPr marL="3428914" indent="-228594" algn="l" defTabSz="457189" rtl="0" eaLnBrk="1" latinLnBrk="0" hangingPunct="1">
         <a:spcBef>
           <a:spcPct val="20000"/>
         </a:spcBef>
@@ -6200,7 +6220,7 @@
           <a:cs typeface="+mn-cs"/>
         </a:defRPr>
       </a:lvl8pPr>
-      <a:lvl9pPr marL="3886200" indent="-228600" algn="l" defTabSz="457200" rtl="0" eaLnBrk="1" latinLnBrk="0" hangingPunct="1">
+      <a:lvl9pPr marL="3886103" indent="-228594" algn="l" defTabSz="457189" rtl="0" eaLnBrk="1" latinLnBrk="0" hangingPunct="1">
         <a:spcBef>
           <a:spcPct val="20000"/>
         </a:spcBef>
@@ -6252,7 +6272,7 @@
       <a:defPPr>
         <a:defRPr lang="en-US"/>
       </a:defPPr>
-      <a:lvl1pPr marL="0" algn="l" defTabSz="457200" rtl="0" eaLnBrk="1" latinLnBrk="0" hangingPunct="1">
+      <a:lvl1pPr marL="0" algn="l" defTabSz="457189" rtl="0" eaLnBrk="1" latinLnBrk="0" hangingPunct="1">
         <a:defRPr sz="1800" kern="1200">
           <a:solidFill>
             <a:schemeClr val="tx1"/>
@@ -6262,7 +6282,7 @@
           <a:cs typeface="+mn-cs"/>
         </a:defRPr>
       </a:lvl1pPr>
-      <a:lvl2pPr marL="457200" algn="l" defTabSz="457200" rtl="0" eaLnBrk="1" latinLnBrk="0" hangingPunct="1">
+      <a:lvl2pPr marL="457189" algn="l" defTabSz="457189" rtl="0" eaLnBrk="1" latinLnBrk="0" hangingPunct="1">
         <a:defRPr sz="1800" kern="1200">
           <a:solidFill>
             <a:schemeClr val="tx1"/>
@@ -6272,7 +6292,7 @@
           <a:cs typeface="+mn-cs"/>
         </a:defRPr>
       </a:lvl2pPr>
-      <a:lvl3pPr marL="914400" algn="l" defTabSz="457200" rtl="0" eaLnBrk="1" latinLnBrk="0" hangingPunct="1">
+      <a:lvl3pPr marL="914377" algn="l" defTabSz="457189" rtl="0" eaLnBrk="1" latinLnBrk="0" hangingPunct="1">
         <a:defRPr sz="1800" kern="1200">
           <a:solidFill>
             <a:schemeClr val="tx1"/>
@@ -6282,7 +6302,7 @@
           <a:cs typeface="+mn-cs"/>
         </a:defRPr>
       </a:lvl3pPr>
-      <a:lvl4pPr marL="1371600" algn="l" defTabSz="457200" rtl="0" eaLnBrk="1" latinLnBrk="0" hangingPunct="1">
+      <a:lvl4pPr marL="1371566" algn="l" defTabSz="457189" rtl="0" eaLnBrk="1" latinLnBrk="0" hangingPunct="1">
         <a:defRPr sz="1800" kern="1200">
           <a:solidFill>
             <a:schemeClr val="tx1"/>
@@ -6292,7 +6312,7 @@
           <a:cs typeface="+mn-cs"/>
         </a:defRPr>
       </a:lvl4pPr>
-      <a:lvl5pPr marL="1828800" algn="l" defTabSz="457200" rtl="0" eaLnBrk="1" latinLnBrk="0" hangingPunct="1">
+      <a:lvl5pPr marL="1828754" algn="l" defTabSz="457189" rtl="0" eaLnBrk="1" latinLnBrk="0" hangingPunct="1">
         <a:defRPr sz="1800" kern="1200">
           <a:solidFill>
             <a:schemeClr val="tx1"/>
@@ -6302,7 +6322,7 @@
           <a:cs typeface="+mn-cs"/>
         </a:defRPr>
       </a:lvl5pPr>
-      <a:lvl6pPr marL="2286000" algn="l" defTabSz="457200" rtl="0" eaLnBrk="1" latinLnBrk="0" hangingPunct="1">
+      <a:lvl6pPr marL="2285943" algn="l" defTabSz="457189" rtl="0" eaLnBrk="1" latinLnBrk="0" hangingPunct="1">
         <a:defRPr sz="1800" kern="1200">
           <a:solidFill>
             <a:schemeClr val="tx1"/>
@@ -6312,7 +6332,7 @@
           <a:cs typeface="+mn-cs"/>
         </a:defRPr>
       </a:lvl6pPr>
-      <a:lvl7pPr marL="2743200" algn="l" defTabSz="457200" rtl="0" eaLnBrk="1" latinLnBrk="0" hangingPunct="1">
+      <a:lvl7pPr marL="2743131" algn="l" defTabSz="457189" rtl="0" eaLnBrk="1" latinLnBrk="0" hangingPunct="1">
         <a:defRPr sz="1800" kern="1200">
           <a:solidFill>
             <a:schemeClr val="tx1"/>
@@ -6322,7 +6342,7 @@
           <a:cs typeface="+mn-cs"/>
         </a:defRPr>
       </a:lvl7pPr>
-      <a:lvl8pPr marL="3200400" algn="l" defTabSz="457200" rtl="0" eaLnBrk="1" latinLnBrk="0" hangingPunct="1">
+      <a:lvl8pPr marL="3200320" algn="l" defTabSz="457189" rtl="0" eaLnBrk="1" latinLnBrk="0" hangingPunct="1">
         <a:defRPr sz="1800" kern="1200">
           <a:solidFill>
             <a:schemeClr val="tx1"/>
@@ -6332,7 +6352,7 @@
           <a:cs typeface="+mn-cs"/>
         </a:defRPr>
       </a:lvl8pPr>
-      <a:lvl9pPr marL="3657600" algn="l" defTabSz="457200" rtl="0" eaLnBrk="1" latinLnBrk="0" hangingPunct="1">
+      <a:lvl9pPr marL="3657509" algn="l" defTabSz="457189" rtl="0" eaLnBrk="1" latinLnBrk="0" hangingPunct="1">
         <a:defRPr sz="1800" kern="1200">
           <a:solidFill>
             <a:schemeClr val="tx1"/>
@@ -6374,93 +6394,102 @@
             <p:ph type="ctrTitle"/>
           </p:nvPr>
         </p:nvSpPr>
+        <p:spPr>
+          <a:xfrm>
+            <a:off x="1751013" y="1256304"/>
+            <a:ext cx="8676223" cy="2140227"/>
+          </a:xfrm>
+        </p:spPr>
+        <p:txBody>
+          <a:bodyPr>
+            <a:normAutofit/>
+          </a:bodyPr>
+          <a:lstStyle/>
+          <a:p>
+            <a:r>
+              <a:rPr lang="en-US" sz="5400" dirty="0" smtClean="0"/>
+              <a:t>557 Final Project:</a:t>
+            </a:r>
+            <a:br>
+              <a:rPr lang="en-US" sz="5400" dirty="0" smtClean="0"/>
+            </a:br>
+            <a:r>
+              <a:rPr lang="en-US" sz="5400" dirty="0" smtClean="0"/>
+              <a:t>Chess Game</a:t>
+            </a:r>
+            <a:endParaRPr lang="en-US" sz="5400" dirty="0"/>
+          </a:p>
+        </p:txBody>
+      </p:sp>
+      <p:sp>
+        <p:nvSpPr>
+          <p:cNvPr id="3" name="Subtitle 2"/>
+          <p:cNvSpPr>
+            <a:spLocks noGrp="1"/>
+          </p:cNvSpPr>
+          <p:nvPr>
+            <p:ph type="subTitle" idx="1"/>
+          </p:nvPr>
+        </p:nvSpPr>
         <p:spPr/>
         <p:txBody>
-          <a:bodyPr/>
-          <a:lstStyle/>
-          <a:p>
-            <a:r>
-              <a:rPr lang="en-US" dirty="0" smtClean="0"/>
-              <a:t>557 Final Project:</a:t>
-            </a:r>
-            <a:br>
-              <a:rPr lang="en-US" dirty="0" smtClean="0"/>
-            </a:br>
-            <a:r>
-              <a:rPr lang="en-US" dirty="0" smtClean="0"/>
-              <a:t>Chess Game</a:t>
-            </a:r>
-            <a:endParaRPr lang="en-US" dirty="0"/>
-          </a:p>
-        </p:txBody>
-      </p:sp>
-      <p:sp>
-        <p:nvSpPr>
-          <p:cNvPr id="3" name="Subtitle 2"/>
-          <p:cNvSpPr>
-            <a:spLocks noGrp="1"/>
-          </p:cNvSpPr>
-          <p:nvPr>
-            <p:ph type="subTitle" idx="1"/>
-          </p:nvPr>
-        </p:nvSpPr>
-        <p:spPr/>
-        <p:txBody>
-          <a:bodyPr/>
-          <a:lstStyle/>
-          <a:p>
-            <a:r>
-              <a:rPr lang="en-US" dirty="0" smtClean="0"/>
+          <a:bodyPr>
+            <a:noAutofit/>
+          </a:bodyPr>
+          <a:lstStyle/>
+          <a:p>
+            <a:r>
+              <a:rPr lang="en-US" sz="2400" dirty="0" smtClean="0"/>
               <a:t>Matthew </a:t>
             </a:r>
             <a:r>
-              <a:rPr lang="en-US" dirty="0"/>
+              <a:rPr lang="en-US" sz="2400" dirty="0"/>
               <a:t>G</a:t>
             </a:r>
             <a:r>
-              <a:rPr lang="en-US" dirty="0" smtClean="0"/>
+              <a:rPr lang="en-US" sz="2400" dirty="0" smtClean="0"/>
               <a:t>ardner</a:t>
             </a:r>
           </a:p>
           <a:p>
             <a:r>
-              <a:rPr lang="en-US" dirty="0" smtClean="0"/>
+              <a:rPr lang="en-US" sz="2400" dirty="0" smtClean="0"/>
               <a:t>Minh </a:t>
             </a:r>
             <a:r>
-              <a:rPr lang="en-US" dirty="0"/>
+              <a:rPr lang="en-US" sz="2400" dirty="0"/>
               <a:t>T</a:t>
             </a:r>
             <a:r>
-              <a:rPr lang="en-US" dirty="0" smtClean="0"/>
+              <a:rPr lang="en-US" sz="2400" dirty="0" smtClean="0"/>
               <a:t>ruong</a:t>
             </a:r>
           </a:p>
           <a:p>
             <a:r>
-              <a:rPr lang="en-US" dirty="0" err="1" smtClean="0"/>
+              <a:rPr lang="en-US" sz="2400" dirty="0" err="1" smtClean="0"/>
               <a:t>Tianshuang</a:t>
             </a:r>
             <a:r>
-              <a:rPr lang="en-US" dirty="0" smtClean="0"/>
+              <a:rPr lang="en-US" sz="2400" dirty="0" smtClean="0"/>
               <a:t> </a:t>
             </a:r>
             <a:r>
-              <a:rPr lang="en-US" dirty="0" err="1" smtClean="0"/>
-              <a:t>Guo</a:t>
-            </a:r>
-            <a:endParaRPr lang="en-US" dirty="0" smtClean="0"/>
-          </a:p>
-          <a:p>
-            <a:r>
-              <a:rPr lang="en-US" dirty="0" err="1" smtClean="0"/>
+              <a:rPr lang="en-US" sz="2400" dirty="0" smtClean="0"/>
+              <a:t>Gao</a:t>
+            </a:r>
+            <a:endParaRPr lang="en-US" sz="2400" dirty="0" smtClean="0"/>
+          </a:p>
+          <a:p>
+            <a:r>
+              <a:rPr lang="en-US" sz="2400" dirty="0" err="1" smtClean="0"/>
               <a:t>Jiale</a:t>
             </a:r>
             <a:r>
-              <a:rPr lang="en-US" dirty="0" smtClean="0"/>
+              <a:rPr lang="en-US" sz="2400" dirty="0" smtClean="0"/>
               <a:t> Feng</a:t>
             </a:r>
-            <a:endParaRPr lang="en-US" dirty="0"/>
+            <a:endParaRPr lang="en-US" sz="2400" dirty="0"/>
           </a:p>
         </p:txBody>
       </p:sp>
@@ -6474,6 +6503,13 @@
   <p:clrMapOvr>
     <a:masterClrMapping/>
   </p:clrMapOvr>
+  <p:timing>
+    <p:tnLst>
+      <p:par>
+        <p:cTn id="1" dur="indefinite" restart="never" nodeType="tmRoot"/>
+      </p:par>
+    </p:tnLst>
+  </p:timing>
 </p:sld>
 </file>
 
@@ -6506,8 +6542,8 @@
         </p:nvSpPr>
         <p:spPr>
           <a:xfrm>
-            <a:off x="1141413" y="609600"/>
-            <a:ext cx="9905998" cy="1122218"/>
+            <a:off x="1141414" y="609600"/>
+            <a:ext cx="9905999" cy="1122219"/>
           </a:xfrm>
         </p:spPr>
         <p:txBody>
@@ -6515,7 +6551,7 @@
           <a:lstStyle/>
           <a:p>
             <a:r>
-              <a:rPr lang="en-US" dirty="0" smtClean="0"/>
+              <a:rPr lang="en-US" sz="4000" dirty="0" smtClean="0"/>
               <a:t>Introduction</a:t>
             </a:r>
             <a:endParaRPr lang="en-US" dirty="0"/>
@@ -6534,40 +6570,42 @@
         </p:nvSpPr>
         <p:spPr>
           <a:xfrm>
-            <a:off x="1141413" y="1731819"/>
-            <a:ext cx="9905998" cy="4059382"/>
+            <a:off x="1141414" y="1731819"/>
+            <a:ext cx="9905999" cy="4059383"/>
           </a:xfrm>
         </p:spPr>
         <p:txBody>
-          <a:bodyPr/>
-          <a:lstStyle/>
-          <a:p>
-            <a:r>
-              <a:rPr lang="en-US" u="sng" dirty="0" smtClean="0"/>
+          <a:bodyPr>
+            <a:normAutofit/>
+          </a:bodyPr>
+          <a:lstStyle/>
+          <a:p>
+            <a:r>
+              <a:rPr lang="en-US" sz="2400" u="sng" dirty="0" smtClean="0"/>
               <a:t>IDEA</a:t>
             </a:r>
             <a:r>
-              <a:rPr lang="en-US" dirty="0" smtClean="0"/>
+              <a:rPr lang="en-US" sz="2400" dirty="0" smtClean="0"/>
               <a:t>: A Chess Game implemented with user interaction and animation</a:t>
             </a:r>
           </a:p>
           <a:p>
             <a:pPr lvl="1"/>
             <a:r>
-              <a:rPr lang="en-US" dirty="0" smtClean="0"/>
+              <a:rPr lang="en-US" sz="2000" dirty="0" smtClean="0"/>
               <a:t>Concentrate on only computer graphics of the game and environment</a:t>
             </a:r>
           </a:p>
           <a:p>
             <a:r>
-              <a:rPr lang="en-US" u="sng" dirty="0" smtClean="0"/>
+              <a:rPr lang="en-US" sz="2400" u="sng" dirty="0" smtClean="0"/>
               <a:t>GOAL</a:t>
             </a:r>
             <a:r>
-              <a:rPr lang="en-US" dirty="0" smtClean="0"/>
+              <a:rPr lang="en-US" sz="2400" dirty="0" smtClean="0"/>
               <a:t>: Produce a realistic environment where users can move chess pieces to destroy the opponent’s pieces</a:t>
             </a:r>
-            <a:endParaRPr lang="en-US" dirty="0"/>
+            <a:endParaRPr lang="en-US" sz="2400" dirty="0"/>
           </a:p>
         </p:txBody>
       </p:sp>
@@ -6579,8 +6617,8 @@
         </p:nvSpPr>
         <p:spPr>
           <a:xfrm>
-            <a:off x="5621365" y="2230583"/>
-            <a:ext cx="946093" cy="369332"/>
+            <a:off x="5410572" y="2103362"/>
+            <a:ext cx="1367682" cy="523220"/>
           </a:xfrm>
           <a:prstGeom prst="rect">
             <a:avLst/>
@@ -6594,7 +6632,7 @@
           <a:lstStyle/>
           <a:p>
             <a:r>
-              <a:rPr lang="en-US" dirty="0" smtClean="0"/>
+              <a:rPr lang="en-US" sz="2800" dirty="0"/>
               <a:t>IMAGE</a:t>
             </a:r>
           </a:p>
@@ -6610,6 +6648,13 @@
   <p:clrMapOvr>
     <a:masterClrMapping/>
   </p:clrMapOvr>
+  <p:timing>
+    <p:tnLst>
+      <p:par>
+        <p:cTn id="1" dur="indefinite" restart="never" nodeType="tmRoot"/>
+      </p:par>
+    </p:tnLst>
+  </p:timing>
 </p:sld>
 </file>
 
@@ -6630,123 +6675,287 @@
           <a:chExt cx="0" cy="0"/>
         </a:xfrm>
       </p:grpSpPr>
-      <p:sp>
-        <p:nvSpPr>
-          <p:cNvPr id="2" name="Title 1"/>
-          <p:cNvSpPr>
-            <a:spLocks noGrp="1"/>
-          </p:cNvSpPr>
-          <p:nvPr>
-            <p:ph type="title"/>
-          </p:nvPr>
-        </p:nvSpPr>
+      <p:pic>
+        <p:nvPicPr>
+          <p:cNvPr id="4" name="图片 3"/>
+          <p:cNvPicPr>
+            <a:picLocks noChangeAspect="1"/>
+          </p:cNvPicPr>
+          <p:nvPr/>
+        </p:nvPicPr>
+        <p:blipFill>
+          <a:blip r:embed="rId2"/>
+          <a:stretch>
+            <a:fillRect/>
+          </a:stretch>
+        </p:blipFill>
         <p:spPr>
           <a:xfrm>
-            <a:off x="1141413" y="609600"/>
-            <a:ext cx="9905998" cy="1122218"/>
+            <a:off x="1304218" y="611579"/>
+            <a:ext cx="9580391" cy="5634844"/>
           </a:xfrm>
+          <a:prstGeom prst="rect">
+            <a:avLst/>
+          </a:prstGeom>
         </p:spPr>
-        <p:txBody>
-          <a:bodyPr/>
-          <a:lstStyle/>
-          <a:p>
-            <a:r>
-              <a:rPr lang="en-US" dirty="0" smtClean="0"/>
-              <a:t>FEATURES</a:t>
-            </a:r>
-            <a:endParaRPr lang="en-US" dirty="0"/>
-          </a:p>
-        </p:txBody>
-      </p:sp>
-      <p:sp>
-        <p:nvSpPr>
-          <p:cNvPr id="3" name="Content Placeholder 2"/>
-          <p:cNvSpPr>
-            <a:spLocks noGrp="1"/>
-          </p:cNvSpPr>
-          <p:nvPr>
-            <p:ph idx="1"/>
-          </p:nvPr>
+      </p:pic>
+      <p:sp>
+        <p:nvSpPr>
+          <p:cNvPr id="5" name="矩形 4"/>
+          <p:cNvSpPr/>
+          <p:nvPr/>
         </p:nvSpPr>
         <p:spPr>
           <a:xfrm>
-            <a:off x="1141413" y="1731819"/>
-            <a:ext cx="9905998" cy="4059382"/>
+            <a:off x="2440984" y="3292510"/>
+            <a:ext cx="1624769" cy="864425"/>
           </a:xfrm>
+          <a:prstGeom prst="rect">
+            <a:avLst/>
+          </a:prstGeom>
+          <a:solidFill>
+            <a:srgbClr val="00B0F0">
+              <a:alpha val="49000"/>
+            </a:srgbClr>
+          </a:solidFill>
+          <a:ln>
+            <a:noFill/>
+          </a:ln>
         </p:spPr>
-        <p:txBody>
-          <a:bodyPr>
-            <a:normAutofit/>
-          </a:bodyPr>
-          <a:lstStyle/>
-          <a:p>
-            <a:r>
-              <a:rPr lang="en-US" sz="2400" dirty="0" smtClean="0"/>
-              <a:t>Complex Object surface</a:t>
-            </a:r>
-          </a:p>
-          <a:p>
-            <a:pPr lvl="1"/>
-            <a:r>
-              <a:rPr lang="en-US" sz="2000" dirty="0" smtClean="0"/>
-              <a:t>Obtain and load advanced models of all chess pieces</a:t>
-            </a:r>
-          </a:p>
-          <a:p>
-            <a:r>
-              <a:rPr lang="en-US" sz="2400" dirty="0" smtClean="0"/>
-              <a:t>Combined colored light on surface</a:t>
-            </a:r>
-          </a:p>
-          <a:p>
-            <a:pPr lvl="1"/>
-            <a:r>
-              <a:rPr lang="en-US" sz="2000" dirty="0"/>
-              <a:t>M</a:t>
-            </a:r>
-            <a:r>
-              <a:rPr lang="en-US" sz="2000" dirty="0" smtClean="0"/>
-              <a:t>ultiple light sources to create a nice ambient scene</a:t>
-            </a:r>
-          </a:p>
-          <a:p>
-            <a:r>
-              <a:rPr lang="en-US" sz="2400" dirty="0" smtClean="0"/>
-              <a:t>Displacement Mapping</a:t>
-            </a:r>
-          </a:p>
-          <a:p>
-            <a:pPr lvl="1"/>
-            <a:r>
-              <a:rPr lang="en-US" sz="2000" dirty="0" smtClean="0"/>
-              <a:t>Produce a unique material for chess pieces (Metal?)</a:t>
-            </a:r>
-          </a:p>
-          <a:p>
-            <a:r>
-              <a:rPr lang="en-US" sz="2400" dirty="0" smtClean="0"/>
-              <a:t>Triggered Animation and rotation</a:t>
-            </a:r>
-          </a:p>
-          <a:p>
-            <a:pPr lvl="1"/>
-            <a:r>
-              <a:rPr lang="en-US" sz="2000" dirty="0" smtClean="0"/>
-              <a:t>Once a pieces destination is selected, animate the piece </a:t>
-            </a:r>
+        <p:style>
+          <a:lnRef idx="2">
+            <a:schemeClr val="accent1">
+              <a:shade val="50000"/>
+            </a:schemeClr>
+          </a:lnRef>
+          <a:fillRef idx="1">
+            <a:schemeClr val="accent1"/>
+          </a:fillRef>
+          <a:effectRef idx="0">
+            <a:schemeClr val="accent1"/>
+          </a:effectRef>
+          <a:fontRef idx="minor">
+            <a:schemeClr val="lt1"/>
+          </a:fontRef>
+        </p:style>
+        <p:txBody>
+          <a:bodyPr rtlCol="0" anchor="ctr"/>
+          <a:lstStyle/>
+          <a:p>
+            <a:pPr algn="ctr"/>
+            <a:endParaRPr lang="zh-CN" altLang="en-US"/>
+          </a:p>
+        </p:txBody>
+      </p:sp>
+      <p:sp>
+        <p:nvSpPr>
+          <p:cNvPr id="7" name="矩形 6"/>
+          <p:cNvSpPr/>
+          <p:nvPr/>
+        </p:nvSpPr>
+        <p:spPr>
+          <a:xfrm>
+            <a:off x="4065752" y="4156935"/>
+            <a:ext cx="1656005" cy="830703"/>
+          </a:xfrm>
+          <a:prstGeom prst="rect">
+            <a:avLst/>
+          </a:prstGeom>
+          <a:solidFill>
+            <a:srgbClr val="00B0F0">
+              <a:alpha val="49000"/>
+            </a:srgbClr>
+          </a:solidFill>
+          <a:ln>
+            <a:noFill/>
+          </a:ln>
+        </p:spPr>
+        <p:style>
+          <a:lnRef idx="2">
+            <a:schemeClr val="accent1">
+              <a:shade val="50000"/>
+            </a:schemeClr>
+          </a:lnRef>
+          <a:fillRef idx="1">
+            <a:schemeClr val="accent1"/>
+          </a:fillRef>
+          <a:effectRef idx="0">
+            <a:schemeClr val="accent1"/>
+          </a:effectRef>
+          <a:fontRef idx="minor">
+            <a:schemeClr val="lt1"/>
+          </a:fontRef>
+        </p:style>
+        <p:txBody>
+          <a:bodyPr rtlCol="0" anchor="ctr"/>
+          <a:lstStyle/>
+          <a:p>
+            <a:pPr algn="ctr"/>
+            <a:endParaRPr lang="zh-CN" altLang="en-US"/>
+          </a:p>
+        </p:txBody>
+      </p:sp>
+      <p:sp>
+        <p:nvSpPr>
+          <p:cNvPr id="8" name="矩形 7"/>
+          <p:cNvSpPr/>
+          <p:nvPr/>
+        </p:nvSpPr>
+        <p:spPr>
+          <a:xfrm>
+            <a:off x="5721756" y="4999512"/>
+            <a:ext cx="1656005" cy="905915"/>
+          </a:xfrm>
+          <a:prstGeom prst="rect">
+            <a:avLst/>
+          </a:prstGeom>
+          <a:solidFill>
+            <a:srgbClr val="00B0F0">
+              <a:alpha val="49000"/>
+            </a:srgbClr>
+          </a:solidFill>
+          <a:ln>
+            <a:noFill/>
+          </a:ln>
+        </p:spPr>
+        <p:style>
+          <a:lnRef idx="2">
+            <a:schemeClr val="accent1">
+              <a:shade val="50000"/>
+            </a:schemeClr>
+          </a:lnRef>
+          <a:fillRef idx="1">
+            <a:schemeClr val="accent1"/>
+          </a:fillRef>
+          <a:effectRef idx="0">
+            <a:schemeClr val="accent1"/>
+          </a:effectRef>
+          <a:fontRef idx="minor">
+            <a:schemeClr val="lt1"/>
+          </a:fontRef>
+        </p:style>
+        <p:txBody>
+          <a:bodyPr rtlCol="0" anchor="ctr"/>
+          <a:lstStyle/>
+          <a:p>
+            <a:pPr algn="ctr"/>
+            <a:endParaRPr lang="zh-CN" altLang="en-US"/>
+          </a:p>
+        </p:txBody>
+      </p:sp>
+      <p:sp>
+        <p:nvSpPr>
+          <p:cNvPr id="9" name="矩形 8"/>
+          <p:cNvSpPr/>
+          <p:nvPr/>
+        </p:nvSpPr>
+        <p:spPr>
+          <a:xfrm>
+            <a:off x="7377762" y="4156933"/>
+            <a:ext cx="1656005" cy="842579"/>
+          </a:xfrm>
+          <a:prstGeom prst="rect">
+            <a:avLst/>
+          </a:prstGeom>
+          <a:solidFill>
+            <a:srgbClr val="00B0F0">
+              <a:alpha val="49000"/>
+            </a:srgbClr>
+          </a:solidFill>
+          <a:ln>
+            <a:noFill/>
+          </a:ln>
+        </p:spPr>
+        <p:style>
+          <a:lnRef idx="2">
+            <a:schemeClr val="accent1">
+              <a:shade val="50000"/>
+            </a:schemeClr>
+          </a:lnRef>
+          <a:fillRef idx="1">
+            <a:schemeClr val="accent1"/>
+          </a:fillRef>
+          <a:effectRef idx="0">
+            <a:schemeClr val="accent1"/>
+          </a:effectRef>
+          <a:fontRef idx="minor">
+            <a:schemeClr val="lt1"/>
+          </a:fontRef>
+        </p:style>
+        <p:txBody>
+          <a:bodyPr rtlCol="0" anchor="ctr"/>
+          <a:lstStyle/>
+          <a:p>
+            <a:pPr algn="ctr"/>
+            <a:endParaRPr lang="zh-CN" altLang="en-US"/>
+          </a:p>
+        </p:txBody>
+      </p:sp>
+      <p:sp>
+        <p:nvSpPr>
+          <p:cNvPr id="10" name="矩形 9"/>
+          <p:cNvSpPr/>
+          <p:nvPr/>
+        </p:nvSpPr>
+        <p:spPr>
+          <a:xfrm>
+            <a:off x="9033767" y="4156933"/>
+            <a:ext cx="1749029" cy="842579"/>
+          </a:xfrm>
+          <a:prstGeom prst="rect">
+            <a:avLst/>
+          </a:prstGeom>
+          <a:solidFill>
+            <a:srgbClr val="00B0F0">
+              <a:alpha val="49000"/>
+            </a:srgbClr>
+          </a:solidFill>
+          <a:ln>
+            <a:noFill/>
+          </a:ln>
+        </p:spPr>
+        <p:style>
+          <a:lnRef idx="2">
+            <a:schemeClr val="accent1">
+              <a:shade val="50000"/>
+            </a:schemeClr>
+          </a:lnRef>
+          <a:fillRef idx="1">
+            <a:schemeClr val="accent1"/>
+          </a:fillRef>
+          <a:effectRef idx="0">
+            <a:schemeClr val="accent1"/>
+          </a:effectRef>
+          <a:fontRef idx="minor">
+            <a:schemeClr val="lt1"/>
+          </a:fontRef>
+        </p:style>
+        <p:txBody>
+          <a:bodyPr rtlCol="0" anchor="ctr"/>
+          <a:lstStyle/>
+          <a:p>
+            <a:pPr algn="ctr"/>
+            <a:endParaRPr lang="zh-CN" altLang="en-US"/>
           </a:p>
         </p:txBody>
       </p:sp>
     </p:spTree>
     <p:extLst>
       <p:ext uri="{BB962C8B-B14F-4D97-AF65-F5344CB8AC3E}">
-        <p14:creationId xmlns:p14="http://schemas.microsoft.com/office/powerpoint/2010/main" val="837295510"/>
+        <p14:creationId xmlns:p14="http://schemas.microsoft.com/office/powerpoint/2010/main" val="523064599"/>
       </p:ext>
     </p:extLst>
   </p:cSld>
   <p:clrMapOvr>
     <a:masterClrMapping/>
   </p:clrMapOvr>
+  <p:timing>
+    <p:tnLst>
+      <p:par>
+        <p:cTn id="1" dur="indefinite" restart="never" nodeType="tmRoot"/>
+      </p:par>
+    </p:tnLst>
+  </p:timing>
 </p:sld>
 </file>
 
@@ -6779,8 +6988,8 @@
         </p:nvSpPr>
         <p:spPr>
           <a:xfrm>
-            <a:off x="1141413" y="609600"/>
-            <a:ext cx="9905998" cy="1122218"/>
+            <a:off x="1141414" y="609600"/>
+            <a:ext cx="9905999" cy="1122219"/>
           </a:xfrm>
         </p:spPr>
         <p:txBody>
@@ -6788,8 +6997,8 @@
           <a:lstStyle/>
           <a:p>
             <a:r>
-              <a:rPr lang="en-US" dirty="0" smtClean="0"/>
-              <a:t>FEATUREs</a:t>
+              <a:rPr lang="en-US" sz="4000" dirty="0" smtClean="0"/>
+              <a:t>FEATURES</a:t>
             </a:r>
             <a:endParaRPr lang="en-US" dirty="0"/>
           </a:p>
@@ -6807,97 +7016,95 @@
         </p:nvSpPr>
         <p:spPr>
           <a:xfrm>
-            <a:off x="1141413" y="1731819"/>
-            <a:ext cx="9905998" cy="4059382"/>
+            <a:off x="1141414" y="1684113"/>
+            <a:ext cx="9905999" cy="4676932"/>
           </a:xfrm>
         </p:spPr>
         <p:txBody>
           <a:bodyPr>
-            <a:normAutofit lnSpcReduction="10000"/>
+            <a:noAutofit/>
           </a:bodyPr>
           <a:lstStyle/>
           <a:p>
             <a:r>
+              <a:rPr lang="en-US" sz="2800" dirty="0"/>
+              <a:t>Complex Object surface</a:t>
+            </a:r>
+          </a:p>
+          <a:p>
+            <a:pPr lvl="1"/>
+            <a:r>
+              <a:rPr lang="en-US" sz="2400" dirty="0"/>
+              <a:t>Obtain and load advanced models of all chess pieces</a:t>
+            </a:r>
+          </a:p>
+          <a:p>
+            <a:r>
+              <a:rPr lang="en-US" sz="2800" dirty="0"/>
+              <a:t>Combined colored light on surface</a:t>
+            </a:r>
+          </a:p>
+          <a:p>
+            <a:pPr lvl="1"/>
+            <a:r>
+              <a:rPr lang="en-US" sz="2400" dirty="0"/>
+              <a:t>M</a:t>
+            </a:r>
+            <a:r>
+              <a:rPr lang="en-US" sz="2400" dirty="0"/>
+              <a:t>ultiple light sources to create a nice ambient scene</a:t>
+            </a:r>
+          </a:p>
+          <a:p>
+            <a:r>
+              <a:rPr lang="en-US" sz="2800" dirty="0"/>
+              <a:t>Displacement Mapping</a:t>
+            </a:r>
+          </a:p>
+          <a:p>
+            <a:pPr lvl="1"/>
+            <a:r>
+              <a:rPr lang="en-US" sz="2400" dirty="0"/>
+              <a:t>Produce a unique material for chess pieces (Metal?)</a:t>
+            </a:r>
+          </a:p>
+          <a:p>
+            <a:r>
+              <a:rPr lang="en-US" sz="2800" dirty="0"/>
+              <a:t>Triggered Animation and rotation</a:t>
+            </a:r>
+          </a:p>
+          <a:p>
+            <a:pPr lvl="1"/>
+            <a:r>
+              <a:rPr lang="en-US" sz="2400" dirty="0"/>
+              <a:t>Once a pieces destination is selected, animate the </a:t>
+            </a:r>
+            <a:r>
               <a:rPr lang="en-US" sz="2400" dirty="0" smtClean="0"/>
-              <a:t>Mouse and Keyboard navigation with collision detection</a:t>
-            </a:r>
-          </a:p>
-          <a:p>
-            <a:pPr marL="914400" lvl="1" indent="-457200">
-              <a:buFont typeface="+mj-lt"/>
-              <a:buAutoNum type="arabicPeriod"/>
-            </a:pPr>
-            <a:r>
-              <a:rPr lang="en-US" sz="2000" dirty="0" smtClean="0"/>
-              <a:t>Use the mouse (OR KEYBOARD?) to move the camera around the chess board</a:t>
-            </a:r>
-          </a:p>
-          <a:p>
-            <a:pPr marL="914400" lvl="1" indent="-457200">
-              <a:buFont typeface="+mj-lt"/>
-              <a:buAutoNum type="arabicPeriod"/>
-            </a:pPr>
-            <a:r>
-              <a:rPr lang="en-US" sz="2000" dirty="0" smtClean="0"/>
-              <a:t>Select (click) a piece to move</a:t>
-            </a:r>
-          </a:p>
-          <a:p>
-            <a:pPr marL="914400" lvl="1" indent="-457200">
-              <a:buFont typeface="+mj-lt"/>
-              <a:buAutoNum type="arabicPeriod"/>
-            </a:pPr>
-            <a:r>
-              <a:rPr lang="en-US" sz="2000" dirty="0" smtClean="0"/>
-              <a:t>Move the piece with the keyboard while program performs collision detection</a:t>
-            </a:r>
-          </a:p>
-          <a:p>
-            <a:pPr lvl="2"/>
-            <a:r>
-              <a:rPr lang="en-US" sz="1800" dirty="0" smtClean="0"/>
-              <a:t>If the moving piece encounters an opponent’s piece, destroy it</a:t>
-            </a:r>
-          </a:p>
-          <a:p>
-            <a:pPr lvl="2"/>
-            <a:r>
-              <a:rPr lang="en-US" sz="1800" dirty="0" smtClean="0"/>
-              <a:t>If the moving piece encounters your own piece, block them from intersecting</a:t>
-            </a:r>
-          </a:p>
-          <a:p>
-            <a:pPr marL="914400" lvl="1" indent="-457200">
-              <a:buFont typeface="+mj-lt"/>
-              <a:buAutoNum type="arabicPeriod"/>
-            </a:pPr>
-            <a:r>
-              <a:rPr lang="en-US" sz="2000" dirty="0" smtClean="0"/>
-              <a:t>Select the location of the moving piece as it’s destination</a:t>
-            </a:r>
-          </a:p>
-          <a:p>
-            <a:pPr marL="914400" lvl="1" indent="-457200">
-              <a:buFont typeface="+mj-lt"/>
-              <a:buAutoNum type="arabicPeriod"/>
-            </a:pPr>
-            <a:r>
-              <a:rPr lang="en-US" sz="2000" dirty="0" smtClean="0"/>
-              <a:t>Animate!</a:t>
-            </a:r>
+              <a:t>piece with rotation and translation </a:t>
+            </a:r>
+            <a:endParaRPr lang="en-US" sz="2400" dirty="0"/>
           </a:p>
         </p:txBody>
       </p:sp>
     </p:spTree>
     <p:extLst>
       <p:ext uri="{BB962C8B-B14F-4D97-AF65-F5344CB8AC3E}">
-        <p14:creationId xmlns:p14="http://schemas.microsoft.com/office/powerpoint/2010/main" val="218377638"/>
+        <p14:creationId xmlns:p14="http://schemas.microsoft.com/office/powerpoint/2010/main" val="837295510"/>
       </p:ext>
     </p:extLst>
   </p:cSld>
   <p:clrMapOvr>
     <a:masterClrMapping/>
   </p:clrMapOvr>
+  <p:timing>
+    <p:tnLst>
+      <p:par>
+        <p:cTn id="1" dur="indefinite" restart="never" nodeType="tmRoot"/>
+      </p:par>
+    </p:tnLst>
+  </p:timing>
 </p:sld>
 </file>
 
@@ -6930,8 +7137,8 @@
         </p:nvSpPr>
         <p:spPr>
           <a:xfrm>
-            <a:off x="1141412" y="207819"/>
-            <a:ext cx="9905998" cy="1122218"/>
+            <a:off x="1141414" y="609600"/>
+            <a:ext cx="9905999" cy="1122219"/>
           </a:xfrm>
         </p:spPr>
         <p:txBody>
@@ -6939,52 +7146,139 @@
           <a:lstStyle/>
           <a:p>
             <a:r>
-              <a:rPr lang="en-US" dirty="0" smtClean="0"/>
-              <a:t>ADDITIONAL FEATURES</a:t>
-            </a:r>
-            <a:endParaRPr lang="en-US" dirty="0"/>
-          </a:p>
-        </p:txBody>
-      </p:sp>
-      <p:pic>
-        <p:nvPicPr>
-          <p:cNvPr id="5" name="Content Placeholder 4"/>
-          <p:cNvPicPr>
-            <a:picLocks noGrp="1" noChangeAspect="1"/>
-          </p:cNvPicPr>
+              <a:rPr lang="en-US" sz="4000" dirty="0" smtClean="0"/>
+              <a:t>FEATUREs</a:t>
+            </a:r>
+            <a:endParaRPr lang="en-US" dirty="0"/>
+          </a:p>
+        </p:txBody>
+      </p:sp>
+      <p:sp>
+        <p:nvSpPr>
+          <p:cNvPr id="3" name="Content Placeholder 2"/>
+          <p:cNvSpPr>
+            <a:spLocks noGrp="1"/>
+          </p:cNvSpPr>
           <p:nvPr>
             <p:ph idx="1"/>
           </p:nvPr>
-        </p:nvPicPr>
-        <p:blipFill>
-          <a:blip r:embed="rId3">
-            <a:extLst>
-              <a:ext uri="{28A0092B-C50C-407E-A947-70E740481C1C}">
-                <a14:useLocalDpi xmlns:a14="http://schemas.microsoft.com/office/drawing/2010/main" val="0"/>
-              </a:ext>
-            </a:extLst>
-          </a:blip>
-          <a:stretch>
-            <a:fillRect/>
-          </a:stretch>
-        </p:blipFill>
+        </p:nvSpPr>
         <p:spPr>
           <a:xfrm>
-            <a:off x="2788346" y="1330037"/>
-            <a:ext cx="6612129" cy="2727503"/>
+            <a:off x="1141414" y="1692064"/>
+            <a:ext cx="9905999" cy="4676932"/>
           </a:xfrm>
         </p:spPr>
-      </p:pic>
+        <p:txBody>
+          <a:bodyPr>
+            <a:noAutofit/>
+          </a:bodyPr>
+          <a:lstStyle/>
+          <a:p>
+            <a:r>
+              <a:rPr lang="en-US" sz="2800" dirty="0"/>
+              <a:t>Mouse and Keyboard navigation with collision detection</a:t>
+            </a:r>
+          </a:p>
+          <a:p>
+            <a:pPr marL="914377" lvl="1" indent="-457189">
+              <a:buFont typeface="+mj-lt"/>
+              <a:buAutoNum type="arabicPeriod"/>
+            </a:pPr>
+            <a:r>
+              <a:rPr lang="en-US" sz="2400" dirty="0"/>
+              <a:t>Use the </a:t>
+            </a:r>
+            <a:r>
+              <a:rPr lang="en-US" sz="2400" dirty="0" smtClean="0"/>
+              <a:t>keyboard to </a:t>
+            </a:r>
+            <a:r>
+              <a:rPr lang="en-US" sz="2400" dirty="0"/>
+              <a:t>move the camera around the chess board</a:t>
+            </a:r>
+          </a:p>
+          <a:p>
+            <a:pPr marL="914377" lvl="1" indent="-457189">
+              <a:buFont typeface="+mj-lt"/>
+              <a:buAutoNum type="arabicPeriod"/>
+            </a:pPr>
+            <a:r>
+              <a:rPr lang="en-US" sz="2400" dirty="0"/>
+              <a:t>Select (click) a piece to move</a:t>
+            </a:r>
+          </a:p>
+          <a:p>
+            <a:pPr marL="914377" lvl="1" indent="-457189">
+              <a:buFont typeface="+mj-lt"/>
+              <a:buAutoNum type="arabicPeriod"/>
+            </a:pPr>
+            <a:r>
+              <a:rPr lang="en-US" sz="2400" dirty="0"/>
+              <a:t>Move the piece with the </a:t>
+            </a:r>
+            <a:r>
+              <a:rPr lang="en-US" sz="2400" dirty="0" smtClean="0"/>
+              <a:t>mouse </a:t>
+            </a:r>
+            <a:r>
+              <a:rPr lang="en-US" sz="2400" dirty="0"/>
+              <a:t>while program performs collision detection</a:t>
+            </a:r>
+          </a:p>
+          <a:p>
+            <a:pPr lvl="2"/>
+            <a:r>
+              <a:rPr lang="en-US" sz="2000" dirty="0"/>
+              <a:t>If the moving piece encounters an opponent’s piece, destroy it</a:t>
+            </a:r>
+          </a:p>
+          <a:p>
+            <a:pPr lvl="2"/>
+            <a:r>
+              <a:rPr lang="en-US" sz="2000" dirty="0"/>
+              <a:t>If the moving piece encounters your own piece, block them from intersecting</a:t>
+            </a:r>
+          </a:p>
+          <a:p>
+            <a:pPr marL="914377" lvl="1" indent="-457189">
+              <a:buFont typeface="+mj-lt"/>
+              <a:buAutoNum type="arabicPeriod"/>
+            </a:pPr>
+            <a:r>
+              <a:rPr lang="en-US" sz="2400" dirty="0"/>
+              <a:t>Select the location of the moving piece as it’s destination</a:t>
+            </a:r>
+          </a:p>
+          <a:p>
+            <a:pPr marL="914377" lvl="1" indent="-457189">
+              <a:buFont typeface="+mj-lt"/>
+              <a:buAutoNum type="arabicPeriod"/>
+            </a:pPr>
+            <a:r>
+              <a:rPr lang="en-US" sz="2400" dirty="0"/>
+              <a:t>Animate!</a:t>
+            </a:r>
+          </a:p>
+        </p:txBody>
+      </p:sp>
     </p:spTree>
     <p:extLst>
       <p:ext uri="{BB962C8B-B14F-4D97-AF65-F5344CB8AC3E}">
-        <p14:creationId xmlns:p14="http://schemas.microsoft.com/office/powerpoint/2010/main" val="717220000"/>
+        <p14:creationId xmlns:p14="http://schemas.microsoft.com/office/powerpoint/2010/main" val="218377638"/>
       </p:ext>
     </p:extLst>
   </p:cSld>
   <p:clrMapOvr>
     <a:masterClrMapping/>
   </p:clrMapOvr>
+  <p:timing>
+    <p:tnLst>
+      <p:par>
+        <p:cTn id="1" dur="indefinite" restart="never" nodeType="tmRoot"/>
+      </p:par>
+    </p:tnLst>
+  </p:timing>
 </p:sld>
 </file>
 
@@ -7017,56 +7311,70 @@
         </p:nvSpPr>
         <p:spPr>
           <a:xfrm>
-            <a:off x="1141413" y="609600"/>
-            <a:ext cx="9905998" cy="1122218"/>
+            <a:off x="1141411" y="605385"/>
+            <a:ext cx="9905999" cy="1122219"/>
           </a:xfrm>
         </p:spPr>
         <p:txBody>
-          <a:bodyPr/>
-          <a:lstStyle/>
-          <a:p>
-            <a:r>
-              <a:rPr lang="en-US" dirty="0" smtClean="0"/>
-              <a:t>OBJECTS</a:t>
-            </a:r>
-            <a:endParaRPr lang="en-US" dirty="0"/>
-          </a:p>
-        </p:txBody>
-      </p:sp>
-      <p:sp>
-        <p:nvSpPr>
-          <p:cNvPr id="3" name="Content Placeholder 2"/>
-          <p:cNvSpPr>
-            <a:spLocks noGrp="1"/>
-          </p:cNvSpPr>
+          <a:bodyPr>
+            <a:normAutofit/>
+          </a:bodyPr>
+          <a:lstStyle/>
+          <a:p>
+            <a:r>
+              <a:rPr lang="en-US" sz="4000" dirty="0" smtClean="0"/>
+              <a:t>ADDITIONAL FEATURES</a:t>
+            </a:r>
+            <a:endParaRPr lang="en-US" sz="4000" dirty="0"/>
+          </a:p>
+        </p:txBody>
+      </p:sp>
+      <p:pic>
+        <p:nvPicPr>
+          <p:cNvPr id="5" name="Content Placeholder 4"/>
+          <p:cNvPicPr>
+            <a:picLocks noGrp="1" noChangeAspect="1"/>
+          </p:cNvPicPr>
           <p:nvPr>
             <p:ph idx="1"/>
           </p:nvPr>
-        </p:nvSpPr>
+        </p:nvPicPr>
+        <p:blipFill>
+          <a:blip r:embed="rId3">
+            <a:extLst>
+              <a:ext uri="{28A0092B-C50C-407E-A947-70E740481C1C}">
+                <a14:useLocalDpi xmlns:a14="http://schemas.microsoft.com/office/drawing/2010/main" val="0"/>
+              </a:ext>
+            </a:extLst>
+          </a:blip>
+          <a:stretch>
+            <a:fillRect/>
+          </a:stretch>
+        </p:blipFill>
         <p:spPr>
           <a:xfrm>
-            <a:off x="1141413" y="1731819"/>
-            <a:ext cx="9905998" cy="4059382"/>
+            <a:off x="2068379" y="2268292"/>
+            <a:ext cx="8052061" cy="3321475"/>
           </a:xfrm>
         </p:spPr>
-        <p:txBody>
-          <a:bodyPr/>
-          <a:lstStyle/>
-          <a:p>
-            <a:endParaRPr lang="en-US" dirty="0"/>
-          </a:p>
-        </p:txBody>
-      </p:sp>
+      </p:pic>
     </p:spTree>
     <p:extLst>
       <p:ext uri="{BB962C8B-B14F-4D97-AF65-F5344CB8AC3E}">
-        <p14:creationId xmlns:p14="http://schemas.microsoft.com/office/powerpoint/2010/main" val="817864410"/>
+        <p14:creationId xmlns:p14="http://schemas.microsoft.com/office/powerpoint/2010/main" val="717220000"/>
       </p:ext>
     </p:extLst>
   </p:cSld>
   <p:clrMapOvr>
     <a:masterClrMapping/>
   </p:clrMapOvr>
+  <p:timing>
+    <p:tnLst>
+      <p:par>
+        <p:cTn id="1" dur="indefinite" restart="never" nodeType="tmRoot"/>
+      </p:par>
+    </p:tnLst>
+  </p:timing>
 </p:sld>
 </file>
 
@@ -7104,54 +7412,467 @@
           </a:xfrm>
         </p:spPr>
         <p:txBody>
-          <a:bodyPr/>
-          <a:lstStyle/>
-          <a:p>
-            <a:r>
-              <a:rPr lang="en-US" dirty="0" smtClean="0"/>
-              <a:t>Implementation</a:t>
-            </a:r>
-            <a:endParaRPr lang="en-US" dirty="0"/>
-          </a:p>
-        </p:txBody>
-      </p:sp>
-      <p:sp>
-        <p:nvSpPr>
-          <p:cNvPr id="3" name="Content Placeholder 2"/>
-          <p:cNvSpPr>
-            <a:spLocks noGrp="1"/>
-          </p:cNvSpPr>
-          <p:nvPr>
-            <p:ph idx="1"/>
-          </p:nvPr>
+          <a:bodyPr>
+            <a:normAutofit/>
+          </a:bodyPr>
+          <a:lstStyle/>
+          <a:p>
+            <a:r>
+              <a:rPr lang="en-US" sz="4000" dirty="0" smtClean="0"/>
+              <a:t>CLASSES-OBJECTS</a:t>
+            </a:r>
+            <a:endParaRPr lang="en-US" sz="4000" dirty="0"/>
+          </a:p>
+        </p:txBody>
+      </p:sp>
+      <p:sp>
+        <p:nvSpPr>
+          <p:cNvPr id="4" name="Rectangle 3"/>
+          <p:cNvSpPr/>
+          <p:nvPr/>
         </p:nvSpPr>
         <p:spPr>
           <a:xfrm>
-            <a:off x="1141413" y="1731819"/>
-            <a:ext cx="9905998" cy="4059382"/>
+            <a:off x="796240" y="3132161"/>
+            <a:ext cx="2421036" cy="1527858"/>
           </a:xfrm>
+          <a:prstGeom prst="rect">
+            <a:avLst/>
+          </a:prstGeom>
         </p:spPr>
-        <p:txBody>
-          <a:bodyPr/>
-          <a:lstStyle/>
-          <a:p>
-            <a:pPr marL="0" indent="0">
-              <a:buNone/>
-            </a:pPr>
-            <a:endParaRPr lang="en-US" dirty="0"/>
-          </a:p>
-        </p:txBody>
-      </p:sp>
+        <p:style>
+          <a:lnRef idx="1">
+            <a:schemeClr val="accent1"/>
+          </a:lnRef>
+          <a:fillRef idx="3">
+            <a:schemeClr val="accent1"/>
+          </a:fillRef>
+          <a:effectRef idx="2">
+            <a:schemeClr val="accent1"/>
+          </a:effectRef>
+          <a:fontRef idx="minor">
+            <a:schemeClr val="lt1"/>
+          </a:fontRef>
+        </p:style>
+        <p:txBody>
+          <a:bodyPr rtlCol="0" anchor="ctr"/>
+          <a:lstStyle/>
+          <a:p>
+            <a:pPr algn="ctr"/>
+            <a:r>
+              <a:rPr lang="en-US" sz="2000" dirty="0" err="1" smtClean="0"/>
+              <a:t>ChessGame</a:t>
+            </a:r>
+            <a:endParaRPr lang="en-US" sz="2000" dirty="0"/>
+          </a:p>
+        </p:txBody>
+      </p:sp>
+      <p:sp>
+        <p:nvSpPr>
+          <p:cNvPr id="5" name="Rectangle 4"/>
+          <p:cNvSpPr/>
+          <p:nvPr/>
+        </p:nvSpPr>
+        <p:spPr>
+          <a:xfrm>
+            <a:off x="5205296" y="1510629"/>
+            <a:ext cx="2421036" cy="1527858"/>
+          </a:xfrm>
+          <a:prstGeom prst="rect">
+            <a:avLst/>
+          </a:prstGeom>
+        </p:spPr>
+        <p:style>
+          <a:lnRef idx="1">
+            <a:schemeClr val="accent1"/>
+          </a:lnRef>
+          <a:fillRef idx="3">
+            <a:schemeClr val="accent1"/>
+          </a:fillRef>
+          <a:effectRef idx="2">
+            <a:schemeClr val="accent1"/>
+          </a:effectRef>
+          <a:fontRef idx="minor">
+            <a:schemeClr val="lt1"/>
+          </a:fontRef>
+        </p:style>
+        <p:txBody>
+          <a:bodyPr rtlCol="0" anchor="ctr"/>
+          <a:lstStyle/>
+          <a:p>
+            <a:pPr algn="ctr"/>
+            <a:r>
+              <a:rPr lang="en-US" sz="2000" dirty="0" err="1" smtClean="0"/>
+              <a:t>ChessPiece</a:t>
+            </a:r>
+            <a:endParaRPr lang="en-US" sz="2000" dirty="0"/>
+          </a:p>
+        </p:txBody>
+      </p:sp>
+      <p:sp>
+        <p:nvSpPr>
+          <p:cNvPr id="7" name="Rectangle 6"/>
+          <p:cNvSpPr/>
+          <p:nvPr/>
+        </p:nvSpPr>
+        <p:spPr>
+          <a:xfrm>
+            <a:off x="8999172" y="1032459"/>
+            <a:ext cx="2421036" cy="1527858"/>
+          </a:xfrm>
+          <a:prstGeom prst="rect">
+            <a:avLst/>
+          </a:prstGeom>
+        </p:spPr>
+        <p:style>
+          <a:lnRef idx="1">
+            <a:schemeClr val="accent1"/>
+          </a:lnRef>
+          <a:fillRef idx="3">
+            <a:schemeClr val="accent1"/>
+          </a:fillRef>
+          <a:effectRef idx="2">
+            <a:schemeClr val="accent1"/>
+          </a:effectRef>
+          <a:fontRef idx="minor">
+            <a:schemeClr val="lt1"/>
+          </a:fontRef>
+        </p:style>
+        <p:txBody>
+          <a:bodyPr rtlCol="0" anchor="ctr"/>
+          <a:lstStyle/>
+          <a:p>
+            <a:pPr algn="ctr"/>
+            <a:r>
+              <a:rPr lang="en-US" sz="2000" dirty="0" err="1" smtClean="0"/>
+              <a:t>GLObject</a:t>
+            </a:r>
+            <a:endParaRPr lang="en-US" sz="2000" dirty="0"/>
+          </a:p>
+        </p:txBody>
+      </p:sp>
+      <p:sp>
+        <p:nvSpPr>
+          <p:cNvPr id="8" name="Rectangle 7"/>
+          <p:cNvSpPr/>
+          <p:nvPr/>
+        </p:nvSpPr>
+        <p:spPr>
+          <a:xfrm>
+            <a:off x="4663137" y="4252451"/>
+            <a:ext cx="2421036" cy="1527858"/>
+          </a:xfrm>
+          <a:prstGeom prst="rect">
+            <a:avLst/>
+          </a:prstGeom>
+        </p:spPr>
+        <p:style>
+          <a:lnRef idx="1">
+            <a:schemeClr val="accent1"/>
+          </a:lnRef>
+          <a:fillRef idx="3">
+            <a:schemeClr val="accent1"/>
+          </a:fillRef>
+          <a:effectRef idx="2">
+            <a:schemeClr val="accent1"/>
+          </a:effectRef>
+          <a:fontRef idx="minor">
+            <a:schemeClr val="lt1"/>
+          </a:fontRef>
+        </p:style>
+        <p:txBody>
+          <a:bodyPr rtlCol="0" anchor="ctr"/>
+          <a:lstStyle/>
+          <a:p>
+            <a:pPr algn="ctr"/>
+            <a:r>
+              <a:rPr lang="en-US" sz="2000" dirty="0" err="1" smtClean="0"/>
+              <a:t>PieceFactory</a:t>
+            </a:r>
+            <a:endParaRPr lang="en-US" sz="2000" dirty="0" smtClean="0"/>
+          </a:p>
+          <a:p>
+            <a:pPr algn="ctr"/>
+            <a:endParaRPr lang="en-US" sz="2000" dirty="0" smtClean="0"/>
+          </a:p>
+          <a:p>
+            <a:pPr algn="ctr"/>
+            <a:r>
+              <a:rPr lang="en-US" sz="2000" dirty="0" smtClean="0"/>
+              <a:t>Get(“pawn)</a:t>
+            </a:r>
+          </a:p>
+          <a:p>
+            <a:pPr algn="ctr"/>
+            <a:r>
+              <a:rPr lang="en-US" sz="2000" dirty="0" smtClean="0"/>
+              <a:t>Get(“knight)</a:t>
+            </a:r>
+            <a:endParaRPr lang="en-US" sz="2000" dirty="0"/>
+          </a:p>
+        </p:txBody>
+      </p:sp>
+      <p:sp>
+        <p:nvSpPr>
+          <p:cNvPr id="9" name="Rectangle 8"/>
+          <p:cNvSpPr/>
+          <p:nvPr/>
+        </p:nvSpPr>
+        <p:spPr>
+          <a:xfrm>
+            <a:off x="8576080" y="5016380"/>
+            <a:ext cx="2555745" cy="1527858"/>
+          </a:xfrm>
+          <a:prstGeom prst="rect">
+            <a:avLst/>
+          </a:prstGeom>
+        </p:spPr>
+        <p:style>
+          <a:lnRef idx="1">
+            <a:schemeClr val="accent1"/>
+          </a:lnRef>
+          <a:fillRef idx="3">
+            <a:schemeClr val="accent1"/>
+          </a:fillRef>
+          <a:effectRef idx="2">
+            <a:schemeClr val="accent1"/>
+          </a:effectRef>
+          <a:fontRef idx="minor">
+            <a:schemeClr val="lt1"/>
+          </a:fontRef>
+        </p:style>
+        <p:txBody>
+          <a:bodyPr rtlCol="0" anchor="ctr"/>
+          <a:lstStyle/>
+          <a:p>
+            <a:pPr algn="ctr"/>
+            <a:r>
+              <a:rPr lang="en-US" sz="2000" dirty="0" err="1" smtClean="0"/>
+              <a:t>ObjectIdFactory</a:t>
+            </a:r>
+            <a:endParaRPr lang="en-US" sz="2000" dirty="0" smtClean="0"/>
+          </a:p>
+          <a:p>
+            <a:pPr algn="ctr"/>
+            <a:endParaRPr lang="en-US" sz="2000" dirty="0" smtClean="0"/>
+          </a:p>
+          <a:p>
+            <a:pPr algn="ctr"/>
+            <a:r>
+              <a:rPr lang="en-US" sz="2000" dirty="0" err="1" smtClean="0"/>
+              <a:t>getNewId</a:t>
+            </a:r>
+            <a:r>
+              <a:rPr lang="en-US" sz="2000" dirty="0" smtClean="0"/>
+              <a:t>()</a:t>
+            </a:r>
+          </a:p>
+          <a:p>
+            <a:pPr algn="ctr"/>
+            <a:r>
+              <a:rPr lang="en-US" sz="2000" dirty="0" err="1" smtClean="0"/>
+              <a:t>convertColorToId</a:t>
+            </a:r>
+            <a:r>
+              <a:rPr lang="en-US" sz="2000" dirty="0" smtClean="0"/>
+              <a:t>()</a:t>
+            </a:r>
+            <a:endParaRPr lang="en-US" sz="2000" dirty="0"/>
+          </a:p>
+        </p:txBody>
+      </p:sp>
+      <p:cxnSp>
+        <p:nvCxnSpPr>
+          <p:cNvPr id="11" name="Straight Arrow Connector 10"/>
+          <p:cNvCxnSpPr>
+            <a:stCxn id="4" idx="3"/>
+            <a:endCxn id="8" idx="1"/>
+          </p:cNvCxnSpPr>
+          <p:nvPr/>
+        </p:nvCxnSpPr>
+        <p:spPr>
+          <a:xfrm>
+            <a:off x="3217276" y="3896090"/>
+            <a:ext cx="1445861" cy="1120290"/>
+          </a:xfrm>
+          <a:prstGeom prst="straightConnector1">
+            <a:avLst/>
+          </a:prstGeom>
+          <a:ln>
+            <a:tailEnd type="arrow"/>
+          </a:ln>
+        </p:spPr>
+        <p:style>
+          <a:lnRef idx="2">
+            <a:schemeClr val="accent1"/>
+          </a:lnRef>
+          <a:fillRef idx="0">
+            <a:schemeClr val="accent1"/>
+          </a:fillRef>
+          <a:effectRef idx="1">
+            <a:schemeClr val="accent1"/>
+          </a:effectRef>
+          <a:fontRef idx="minor">
+            <a:schemeClr val="tx1"/>
+          </a:fontRef>
+        </p:style>
+      </p:cxnSp>
+      <p:cxnSp>
+        <p:nvCxnSpPr>
+          <p:cNvPr id="14" name="Straight Arrow Connector 13"/>
+          <p:cNvCxnSpPr>
+            <a:stCxn id="5" idx="3"/>
+          </p:cNvCxnSpPr>
+          <p:nvPr/>
+        </p:nvCxnSpPr>
+        <p:spPr>
+          <a:xfrm>
+            <a:off x="7626332" y="2274558"/>
+            <a:ext cx="2188908" cy="2741822"/>
+          </a:xfrm>
+          <a:prstGeom prst="straightConnector1">
+            <a:avLst/>
+          </a:prstGeom>
+          <a:ln>
+            <a:tailEnd type="arrow"/>
+          </a:ln>
+        </p:spPr>
+        <p:style>
+          <a:lnRef idx="2">
+            <a:schemeClr val="accent1"/>
+          </a:lnRef>
+          <a:fillRef idx="0">
+            <a:schemeClr val="accent1"/>
+          </a:fillRef>
+          <a:effectRef idx="1">
+            <a:schemeClr val="accent1"/>
+          </a:effectRef>
+          <a:fontRef idx="minor">
+            <a:schemeClr val="tx1"/>
+          </a:fontRef>
+        </p:style>
+      </p:cxnSp>
+      <p:cxnSp>
+        <p:nvCxnSpPr>
+          <p:cNvPr id="17" name="Straight Arrow Connector 16"/>
+          <p:cNvCxnSpPr>
+            <a:stCxn id="8" idx="0"/>
+            <a:endCxn id="5" idx="2"/>
+          </p:cNvCxnSpPr>
+          <p:nvPr/>
+        </p:nvCxnSpPr>
+        <p:spPr>
+          <a:xfrm flipV="1">
+            <a:off x="5873655" y="3038487"/>
+            <a:ext cx="542159" cy="1213964"/>
+          </a:xfrm>
+          <a:prstGeom prst="straightConnector1">
+            <a:avLst/>
+          </a:prstGeom>
+          <a:ln>
+            <a:tailEnd type="arrow"/>
+          </a:ln>
+        </p:spPr>
+        <p:style>
+          <a:lnRef idx="2">
+            <a:schemeClr val="accent1"/>
+          </a:lnRef>
+          <a:fillRef idx="0">
+            <a:schemeClr val="accent1"/>
+          </a:fillRef>
+          <a:effectRef idx="1">
+            <a:schemeClr val="accent1"/>
+          </a:effectRef>
+          <a:fontRef idx="minor">
+            <a:schemeClr val="tx1"/>
+          </a:fontRef>
+        </p:style>
+      </p:cxnSp>
+      <p:cxnSp>
+        <p:nvCxnSpPr>
+          <p:cNvPr id="20" name="Straight Arrow Connector 19"/>
+          <p:cNvCxnSpPr>
+            <a:endCxn id="7" idx="1"/>
+          </p:cNvCxnSpPr>
+          <p:nvPr/>
+        </p:nvCxnSpPr>
+        <p:spPr>
+          <a:xfrm flipV="1">
+            <a:off x="7626332" y="1796388"/>
+            <a:ext cx="1372840" cy="478171"/>
+          </a:xfrm>
+          <a:prstGeom prst="straightConnector1">
+            <a:avLst/>
+          </a:prstGeom>
+          <a:ln>
+            <a:tailEnd type="arrow"/>
+          </a:ln>
+        </p:spPr>
+        <p:style>
+          <a:lnRef idx="2">
+            <a:schemeClr val="accent1"/>
+          </a:lnRef>
+          <a:fillRef idx="0">
+            <a:schemeClr val="accent1"/>
+          </a:fillRef>
+          <a:effectRef idx="1">
+            <a:schemeClr val="accent1"/>
+          </a:effectRef>
+          <a:fontRef idx="minor">
+            <a:schemeClr val="tx1"/>
+          </a:fontRef>
+        </p:style>
+      </p:cxnSp>
+      <p:cxnSp>
+        <p:nvCxnSpPr>
+          <p:cNvPr id="22" name="Straight Arrow Connector 21"/>
+          <p:cNvCxnSpPr/>
+          <p:nvPr/>
+        </p:nvCxnSpPr>
+        <p:spPr>
+          <a:xfrm flipV="1">
+            <a:off x="3217276" y="2274559"/>
+            <a:ext cx="1982014" cy="1532242"/>
+          </a:xfrm>
+          <a:prstGeom prst="straightConnector1">
+            <a:avLst/>
+          </a:prstGeom>
+          <a:ln>
+            <a:tailEnd type="arrow"/>
+          </a:ln>
+        </p:spPr>
+        <p:style>
+          <a:lnRef idx="2">
+            <a:schemeClr val="accent1"/>
+          </a:lnRef>
+          <a:fillRef idx="0">
+            <a:schemeClr val="accent1"/>
+          </a:fillRef>
+          <a:effectRef idx="1">
+            <a:schemeClr val="accent1"/>
+          </a:effectRef>
+          <a:fontRef idx="minor">
+            <a:schemeClr val="tx1"/>
+          </a:fontRef>
+        </p:style>
+      </p:cxnSp>
     </p:spTree>
     <p:extLst>
       <p:ext uri="{BB962C8B-B14F-4D97-AF65-F5344CB8AC3E}">
-        <p14:creationId xmlns:p14="http://schemas.microsoft.com/office/powerpoint/2010/main" val="1057454565"/>
+        <p14:creationId xmlns:p14="http://schemas.microsoft.com/office/powerpoint/2010/main" val="3953407834"/>
       </p:ext>
     </p:extLst>
   </p:cSld>
   <p:clrMapOvr>
     <a:masterClrMapping/>
   </p:clrMapOvr>
+  <p:timing>
+    <p:tnLst>
+      <p:par>
+        <p:cTn id="1" dur="indefinite" restart="never" nodeType="tmRoot"/>
+      </p:par>
+    </p:tnLst>
+  </p:timing>
 </p:sld>
 </file>
 
@@ -7193,8 +7914,8 @@
           <a:lstStyle/>
           <a:p>
             <a:r>
-              <a:rPr lang="en-US" dirty="0" smtClean="0"/>
-              <a:t>conclusion</a:t>
+              <a:rPr lang="en-US" sz="4000" dirty="0" smtClean="0"/>
+              <a:t>Implementation</a:t>
             </a:r>
             <a:endParaRPr lang="en-US" dirty="0"/>
           </a:p>
@@ -7220,9 +7941,54 @@
           <a:bodyPr/>
           <a:lstStyle/>
           <a:p>
-            <a:pPr marL="0" indent="0">
-              <a:buNone/>
-            </a:pPr>
+            <a:r>
+              <a:rPr lang="en-US" sz="2800" dirty="0" smtClean="0"/>
+              <a:t>Factory method design pattern</a:t>
+            </a:r>
+          </a:p>
+          <a:p>
+            <a:r>
+              <a:rPr lang="en-US" sz="2800" dirty="0" smtClean="0"/>
+              <a:t>Each pieces and pile in board is a separate object</a:t>
+            </a:r>
+          </a:p>
+          <a:p>
+            <a:r>
+              <a:rPr lang="en-US" sz="2800" dirty="0" smtClean="0"/>
+              <a:t>Picking - Scissor cut - Object ID generation</a:t>
+            </a:r>
+          </a:p>
+          <a:p>
+            <a:pPr lvl="1"/>
+            <a:r>
+              <a:rPr lang="en-US" sz="2400" dirty="0" smtClean="0"/>
+              <a:t>For a number </a:t>
+            </a:r>
+            <a:r>
+              <a:rPr lang="en-US" sz="2400" dirty="0" err="1" smtClean="0"/>
+              <a:t>abc</a:t>
+            </a:r>
+            <a:r>
+              <a:rPr lang="en-US" sz="2400" dirty="0" smtClean="0"/>
+              <a:t>, the corresponding color is R: A</a:t>
+            </a:r>
+            <a:r>
+              <a:rPr lang="en-US" sz="2400" dirty="0"/>
+              <a:t>*</a:t>
+            </a:r>
+            <a:r>
+              <a:rPr lang="en-US" sz="2400" dirty="0" smtClean="0"/>
+              <a:t>0.1, G: B*0.1, B: c*0.1</a:t>
+            </a:r>
+          </a:p>
+          <a:p>
+            <a:pPr lvl="1"/>
+            <a:r>
+              <a:rPr lang="en-US" sz="2400" dirty="0" smtClean="0"/>
+              <a:t>1-999</a:t>
+            </a:r>
+          </a:p>
+          <a:p>
             <a:endParaRPr lang="en-US" dirty="0"/>
           </a:p>
         </p:txBody>
@@ -7230,13 +7996,20 @@
     </p:spTree>
     <p:extLst>
       <p:ext uri="{BB962C8B-B14F-4D97-AF65-F5344CB8AC3E}">
-        <p14:creationId xmlns:p14="http://schemas.microsoft.com/office/powerpoint/2010/main" val="707646377"/>
+        <p14:creationId xmlns:p14="http://schemas.microsoft.com/office/powerpoint/2010/main" val="1389049559"/>
       </p:ext>
     </p:extLst>
   </p:cSld>
   <p:clrMapOvr>
     <a:masterClrMapping/>
   </p:clrMapOvr>
+  <p:timing>
+    <p:tnLst>
+      <p:par>
+        <p:cTn id="1" dur="indefinite" restart="never" nodeType="tmRoot"/>
+      </p:par>
+    </p:tnLst>
+  </p:timing>
 </p:sld>
 </file>
 

--- a/FinalProject/docs/presentation.pptx
+++ b/FinalProject/docs/presentation.pptx
@@ -5,7 +5,7 @@
     <p:sldMasterId id="2147483648" r:id="rId1"/>
   </p:sldMasterIdLst>
   <p:notesMasterIdLst>
-    <p:notesMasterId r:id="rId10"/>
+    <p:notesMasterId r:id="rId11"/>
   </p:notesMasterIdLst>
   <p:sldIdLst>
     <p:sldId id="256" r:id="rId2"/>
@@ -14,8 +14,9 @@
     <p:sldId id="258" r:id="rId5"/>
     <p:sldId id="262" r:id="rId6"/>
     <p:sldId id="261" r:id="rId7"/>
-    <p:sldId id="265" r:id="rId8"/>
-    <p:sldId id="266" r:id="rId9"/>
+    <p:sldId id="267" r:id="rId8"/>
+    <p:sldId id="265" r:id="rId9"/>
+    <p:sldId id="266" r:id="rId10"/>
   </p:sldIdLst>
   <p:sldSz cx="12192000" cy="6858000"/>
   <p:notesSz cx="6858000" cy="9144000"/>
@@ -116,7 +117,7 @@
   </p:defaultTextStyle>
   <p:extLst>
     <p:ext uri="{EFAFB233-063F-42B5-8137-9DF3F51BA10A}">
-      <p15:sldGuideLst xmlns:p15="http://schemas.microsoft.com/office/powerpoint/2012/main"/>
+      <p15:sldGuideLst xmlns:p15="http://schemas.microsoft.com/office/powerpoint/2012/main" xmlns=""/>
     </p:ext>
   </p:extLst>
 </p:presentation>
@@ -204,7 +205,7 @@
           <a:p>
             <a:fld id="{191B3BFD-F25D-D840-85EA-4630FB6112AD}" type="datetimeFigureOut">
               <a:rPr lang="en-US" smtClean="0"/>
-              <a:t>12/9/2015</a:t>
+              <a:t>12/9/15</a:t>
             </a:fld>
             <a:endParaRPr lang="en-US"/>
           </a:p>
@@ -808,7 +809,7 @@
           <a:p>
             <a:fld id="{C5317951-4F10-2244-A48F-9965807DBCDD}" type="slidenum">
               <a:rPr lang="en-US" smtClean="0"/>
-              <a:t>8</a:t>
+              <a:t>9</a:t>
             </a:fld>
             <a:endParaRPr lang="en-US"/>
           </a:p>
@@ -1041,7 +1042,7 @@
             <a:fld id="{B61BEF0D-F0BB-DE4B-95CE-6DB70DBA9567}" type="datetimeFigureOut">
               <a:rPr lang="en-US" dirty="0"/>
               <a:pPr/>
-              <a:t>12/9/2015</a:t>
+              <a:t>12/9/15</a:t>
             </a:fld>
             <a:endParaRPr lang="en-US" dirty="0"/>
           </a:p>
@@ -1329,7 +1330,7 @@
             <a:fld id="{B61BEF0D-F0BB-DE4B-95CE-6DB70DBA9567}" type="datetimeFigureOut">
               <a:rPr lang="en-US" dirty="0"/>
               <a:pPr/>
-              <a:t>12/9/2015</a:t>
+              <a:t>12/9/15</a:t>
             </a:fld>
             <a:endParaRPr lang="en-US" dirty="0"/>
           </a:p>
@@ -1585,7 +1586,7 @@
             <a:fld id="{B61BEF0D-F0BB-DE4B-95CE-6DB70DBA9567}" type="datetimeFigureOut">
               <a:rPr lang="en-US" dirty="0"/>
               <a:pPr/>
-              <a:t>12/9/2015</a:t>
+              <a:t>12/9/15</a:t>
             </a:fld>
             <a:endParaRPr lang="en-US" dirty="0"/>
           </a:p>
@@ -2051,7 +2052,7 @@
             <a:fld id="{B61BEF0D-F0BB-DE4B-95CE-6DB70DBA9567}" type="datetimeFigureOut">
               <a:rPr lang="en-US" dirty="0"/>
               <a:pPr/>
-              <a:t>12/9/2015</a:t>
+              <a:t>12/9/15</a:t>
             </a:fld>
             <a:endParaRPr lang="en-US" dirty="0"/>
           </a:p>
@@ -2228,7 +2229,7 @@
             <a:fld id="{B61BEF0D-F0BB-DE4B-95CE-6DB70DBA9567}" type="datetimeFigureOut">
               <a:rPr lang="en-US" dirty="0"/>
               <a:pPr/>
-              <a:t>12/9/2015</a:t>
+              <a:t>12/9/15</a:t>
             </a:fld>
             <a:endParaRPr lang="en-US" dirty="0"/>
           </a:p>
@@ -2801,7 +2802,7 @@
             <a:fld id="{B61BEF0D-F0BB-DE4B-95CE-6DB70DBA9567}" type="datetimeFigureOut">
               <a:rPr lang="en-US" dirty="0"/>
               <a:pPr/>
-              <a:t>12/9/2015</a:t>
+              <a:t>12/9/15</a:t>
             </a:fld>
             <a:endParaRPr lang="en-US" dirty="0"/>
           </a:p>
@@ -3130,7 +3131,7 @@
             <a:fld id="{B61BEF0D-F0BB-DE4B-95CE-6DB70DBA9567}" type="datetimeFigureOut">
               <a:rPr lang="en-US" dirty="0"/>
               <a:pPr/>
-              <a:t>12/9/2015</a:t>
+              <a:t>12/9/15</a:t>
             </a:fld>
             <a:endParaRPr lang="en-US" dirty="0"/>
           </a:p>
@@ -3302,7 +3303,7 @@
             <a:fld id="{B61BEF0D-F0BB-DE4B-95CE-6DB70DBA9567}" type="datetimeFigureOut">
               <a:rPr lang="en-US" dirty="0"/>
               <a:pPr/>
-              <a:t>12/9/2015</a:t>
+              <a:t>12/9/15</a:t>
             </a:fld>
             <a:endParaRPr lang="en-US" dirty="0"/>
           </a:p>
@@ -3479,7 +3480,7 @@
             <a:fld id="{B61BEF0D-F0BB-DE4B-95CE-6DB70DBA9567}" type="datetimeFigureOut">
               <a:rPr lang="en-US" dirty="0"/>
               <a:pPr/>
-              <a:t>12/9/2015</a:t>
+              <a:t>12/9/15</a:t>
             </a:fld>
             <a:endParaRPr lang="en-US" dirty="0"/>
           </a:p>
@@ -3646,7 +3647,7 @@
             <a:fld id="{B61BEF0D-F0BB-DE4B-95CE-6DB70DBA9567}" type="datetimeFigureOut">
               <a:rPr lang="en-US" dirty="0"/>
               <a:pPr/>
-              <a:t>12/9/2015</a:t>
+              <a:t>12/9/15</a:t>
             </a:fld>
             <a:endParaRPr lang="en-US" dirty="0"/>
           </a:p>
@@ -3900,7 +3901,7 @@
             <a:fld id="{B61BEF0D-F0BB-DE4B-95CE-6DB70DBA9567}" type="datetimeFigureOut">
               <a:rPr lang="en-US" dirty="0"/>
               <a:pPr/>
-              <a:t>12/9/2015</a:t>
+              <a:t>12/9/15</a:t>
             </a:fld>
             <a:endParaRPr lang="en-US" dirty="0"/>
           </a:p>
@@ -4189,7 +4190,7 @@
             <a:fld id="{B61BEF0D-F0BB-DE4B-95CE-6DB70DBA9567}" type="datetimeFigureOut">
               <a:rPr lang="en-US" dirty="0"/>
               <a:pPr/>
-              <a:t>12/9/2015</a:t>
+              <a:t>12/9/15</a:t>
             </a:fld>
             <a:endParaRPr lang="en-US" dirty="0"/>
           </a:p>
@@ -4616,7 +4617,7 @@
             <a:fld id="{B61BEF0D-F0BB-DE4B-95CE-6DB70DBA9567}" type="datetimeFigureOut">
               <a:rPr lang="en-US" dirty="0"/>
               <a:pPr/>
-              <a:t>12/9/2015</a:t>
+              <a:t>12/9/15</a:t>
             </a:fld>
             <a:endParaRPr lang="en-US" dirty="0"/>
           </a:p>
@@ -4731,7 +4732,7 @@
             <a:fld id="{B61BEF0D-F0BB-DE4B-95CE-6DB70DBA9567}" type="datetimeFigureOut">
               <a:rPr lang="en-US" dirty="0"/>
               <a:pPr/>
-              <a:t>12/9/2015</a:t>
+              <a:t>12/9/15</a:t>
             </a:fld>
             <a:endParaRPr lang="en-US" dirty="0"/>
           </a:p>
@@ -4823,7 +4824,7 @@
             <a:fld id="{B61BEF0D-F0BB-DE4B-95CE-6DB70DBA9567}" type="datetimeFigureOut">
               <a:rPr lang="en-US" dirty="0"/>
               <a:pPr/>
-              <a:t>12/9/2015</a:t>
+              <a:t>12/9/15</a:t>
             </a:fld>
             <a:endParaRPr lang="en-US" dirty="0"/>
           </a:p>
@@ -5103,7 +5104,7 @@
             <a:fld id="{B61BEF0D-F0BB-DE4B-95CE-6DB70DBA9567}" type="datetimeFigureOut">
               <a:rPr lang="en-US" dirty="0"/>
               <a:pPr/>
-              <a:t>12/9/2015</a:t>
+              <a:t>12/9/15</a:t>
             </a:fld>
             <a:endParaRPr lang="en-US" dirty="0"/>
           </a:p>
@@ -5391,7 +5392,7 @@
             <a:fld id="{B61BEF0D-F0BB-DE4B-95CE-6DB70DBA9567}" type="datetimeFigureOut">
               <a:rPr lang="en-US" dirty="0"/>
               <a:pPr/>
-              <a:t>12/9/2015</a:t>
+              <a:t>12/9/15</a:t>
             </a:fld>
             <a:endParaRPr lang="en-US" dirty="0"/>
           </a:p>
@@ -5619,7 +5620,7 @@
             <a:fld id="{B61BEF0D-F0BB-DE4B-95CE-6DB70DBA9567}" type="datetimeFigureOut">
               <a:rPr lang="en-US" dirty="0"/>
               <a:pPr/>
-              <a:t>12/9/2015</a:t>
+              <a:t>12/9/15</a:t>
             </a:fld>
             <a:endParaRPr lang="en-US" dirty="0"/>
           </a:p>
@@ -6472,13 +6473,8 @@
             </a:r>
             <a:r>
               <a:rPr lang="en-US" sz="2400" dirty="0" smtClean="0"/>
-              <a:t> </a:t>
-            </a:r>
-            <a:r>
-              <a:rPr lang="en-US" sz="2400" dirty="0" smtClean="0"/>
-              <a:t>Gao</a:t>
-            </a:r>
-            <a:endParaRPr lang="en-US" sz="2400" dirty="0" smtClean="0"/>
+              <a:t> Gao</a:t>
+            </a:r>
           </a:p>
           <a:p>
             <a:r>
@@ -6506,7 +6502,7 @@
   <p:timing>
     <p:tnLst>
       <p:par>
-        <p:cTn id="1" dur="indefinite" restart="never" nodeType="tmRoot"/>
+        <p:cTn xmlns:p14="http://schemas.microsoft.com/office/powerpoint/2010/main" id="1" dur="indefinite" restart="never" nodeType="tmRoot"/>
       </p:par>
     </p:tnLst>
   </p:timing>
@@ -6651,7 +6647,7 @@
   <p:timing>
     <p:tnLst>
       <p:par>
-        <p:cTn id="1" dur="indefinite" restart="never" nodeType="tmRoot"/>
+        <p:cTn xmlns:p14="http://schemas.microsoft.com/office/powerpoint/2010/main" id="1" dur="indefinite" restart="never" nodeType="tmRoot"/>
       </p:par>
     </p:tnLst>
   </p:timing>
@@ -6952,7 +6948,7 @@
   <p:timing>
     <p:tnLst>
       <p:par>
-        <p:cTn id="1" dur="indefinite" restart="never" nodeType="tmRoot"/>
+        <p:cTn xmlns:p14="http://schemas.microsoft.com/office/powerpoint/2010/main" id="1" dur="indefinite" restart="never" nodeType="tmRoot"/>
       </p:par>
     </p:tnLst>
   </p:timing>
@@ -7048,11 +7044,7 @@
             <a:pPr lvl="1"/>
             <a:r>
               <a:rPr lang="en-US" sz="2400" dirty="0"/>
-              <a:t>M</a:t>
-            </a:r>
-            <a:r>
-              <a:rPr lang="en-US" sz="2400" dirty="0"/>
-              <a:t>ultiple light sources to create a nice ambient scene</a:t>
+              <a:t>Multiple light sources to create a nice ambient scene</a:t>
             </a:r>
           </a:p>
           <a:p>
@@ -7101,7 +7093,7 @@
   <p:timing>
     <p:tnLst>
       <p:par>
-        <p:cTn id="1" dur="indefinite" restart="never" nodeType="tmRoot"/>
+        <p:cTn xmlns:p14="http://schemas.microsoft.com/office/powerpoint/2010/main" id="1" dur="indefinite" restart="never" nodeType="tmRoot"/>
       </p:par>
     </p:tnLst>
   </p:timing>
@@ -7275,7 +7267,7 @@
   <p:timing>
     <p:tnLst>
       <p:par>
-        <p:cTn id="1" dur="indefinite" restart="never" nodeType="tmRoot"/>
+        <p:cTn xmlns:p14="http://schemas.microsoft.com/office/powerpoint/2010/main" id="1" dur="indefinite" restart="never" nodeType="tmRoot"/>
       </p:par>
     </p:tnLst>
   </p:timing>
@@ -7353,9 +7345,33 @@
         </p:blipFill>
         <p:spPr>
           <a:xfrm>
-            <a:off x="2068379" y="2268292"/>
-            <a:ext cx="8052061" cy="3321475"/>
-          </a:xfrm>
+            <a:off x="1286772" y="2101180"/>
+            <a:ext cx="4927204" cy="3321475"/>
+          </a:xfrm>
+        </p:spPr>
+      </p:pic>
+      <p:pic>
+        <p:nvPicPr>
+          <p:cNvPr id="3" name="Picture 2"/>
+          <p:cNvPicPr>
+            <a:picLocks noChangeAspect="1"/>
+          </p:cNvPicPr>
+          <p:nvPr/>
+        </p:nvPicPr>
+        <p:blipFill>
+          <a:blip r:embed="rId4"/>
+          <a:stretch>
+            <a:fillRect/>
+          </a:stretch>
+        </p:blipFill>
+        <p:spPr>
+          <a:xfrm>
+            <a:off x="7355376" y="2101180"/>
+            <a:ext cx="3431438" cy="3313113"/>
+          </a:xfrm>
+          <a:prstGeom prst="rect">
+            <a:avLst/>
+          </a:prstGeom>
         </p:spPr>
       </p:pic>
     </p:spTree>
@@ -7371,7 +7387,7 @@
   <p:timing>
     <p:tnLst>
       <p:par>
-        <p:cTn id="1" dur="indefinite" restart="never" nodeType="tmRoot"/>
+        <p:cTn xmlns:p14="http://schemas.microsoft.com/office/powerpoint/2010/main" id="1" dur="indefinite" restart="never" nodeType="tmRoot"/>
       </p:par>
     </p:tnLst>
   </p:timing>
@@ -7379,6 +7395,119 @@
 </file>
 
 <file path=ppt/slides/slide7.xml><?xml version="1.0" encoding="utf-8"?>
+<p:sld xmlns:a="http://schemas.openxmlformats.org/drawingml/2006/main" xmlns:r="http://schemas.openxmlformats.org/officeDocument/2006/relationships" xmlns:p="http://schemas.openxmlformats.org/presentationml/2006/main">
+  <p:cSld>
+    <p:spTree>
+      <p:nvGrpSpPr>
+        <p:cNvPr id="1" name=""/>
+        <p:cNvGrpSpPr/>
+        <p:nvPr/>
+      </p:nvGrpSpPr>
+      <p:grpSpPr>
+        <a:xfrm>
+          <a:off x="0" y="0"/>
+          <a:ext cx="0" cy="0"/>
+          <a:chOff x="0" y="0"/>
+          <a:chExt cx="0" cy="0"/>
+        </a:xfrm>
+      </p:grpSpPr>
+      <p:sp>
+        <p:nvSpPr>
+          <p:cNvPr id="2" name="Title 1"/>
+          <p:cNvSpPr>
+            <a:spLocks noGrp="1"/>
+          </p:cNvSpPr>
+          <p:nvPr>
+            <p:ph type="title"/>
+          </p:nvPr>
+        </p:nvSpPr>
+        <p:spPr/>
+        <p:txBody>
+          <a:bodyPr/>
+          <a:lstStyle/>
+          <a:p>
+            <a:r>
+              <a:rPr lang="en-US" dirty="0" smtClean="0"/>
+              <a:t>Special Effects</a:t>
+            </a:r>
+            <a:endParaRPr lang="en-US" dirty="0"/>
+          </a:p>
+        </p:txBody>
+      </p:sp>
+      <p:pic>
+        <p:nvPicPr>
+          <p:cNvPr id="6" name="Picture 5" descr="15836.af6f7fd9.200x200o.6933baaa51f1.jpeg"/>
+          <p:cNvPicPr>
+            <a:picLocks noChangeAspect="1"/>
+          </p:cNvPicPr>
+          <p:nvPr/>
+        </p:nvPicPr>
+        <p:blipFill>
+          <a:blip r:embed="rId2">
+            <a:extLst>
+              <a:ext uri="{28A0092B-C50C-407E-A947-70E740481C1C}">
+                <a14:useLocalDpi xmlns:a14="http://schemas.microsoft.com/office/drawing/2010/main" val="0"/>
+              </a:ext>
+            </a:extLst>
+          </a:blip>
+          <a:stretch>
+            <a:fillRect/>
+          </a:stretch>
+        </p:blipFill>
+        <p:spPr>
+          <a:xfrm>
+            <a:off x="1141413" y="2132539"/>
+            <a:ext cx="3812995" cy="3812995"/>
+          </a:xfrm>
+          <a:prstGeom prst="rect">
+            <a:avLst/>
+          </a:prstGeom>
+        </p:spPr>
+      </p:pic>
+      <p:pic>
+        <p:nvPicPr>
+          <p:cNvPr id="7" name="Picture 6" descr="chess_explosion.jpg"/>
+          <p:cNvPicPr>
+            <a:picLocks noChangeAspect="1"/>
+          </p:cNvPicPr>
+          <p:nvPr/>
+        </p:nvPicPr>
+        <p:blipFill>
+          <a:blip r:embed="rId3">
+            <a:extLst>
+              <a:ext uri="{28A0092B-C50C-407E-A947-70E740481C1C}">
+                <a14:useLocalDpi xmlns:a14="http://schemas.microsoft.com/office/drawing/2010/main" val="0"/>
+              </a:ext>
+            </a:extLst>
+          </a:blip>
+          <a:stretch>
+            <a:fillRect/>
+          </a:stretch>
+        </p:blipFill>
+        <p:spPr>
+          <a:xfrm>
+            <a:off x="6262081" y="2128665"/>
+            <a:ext cx="5089159" cy="3816869"/>
+          </a:xfrm>
+          <a:prstGeom prst="rect">
+            <a:avLst/>
+          </a:prstGeom>
+        </p:spPr>
+      </p:pic>
+    </p:spTree>
+    <p:extLst>
+      <p:ext uri="{BB962C8B-B14F-4D97-AF65-F5344CB8AC3E}">
+        <p14:creationId xmlns:p14="http://schemas.microsoft.com/office/powerpoint/2010/main" val="3414767645"/>
+      </p:ext>
+    </p:extLst>
+  </p:cSld>
+  <p:clrMapOvr>
+    <a:masterClrMapping/>
+  </p:clrMapOvr>
+</p:sld>
+</file>
+
+<file path=ppt/slides/slide8.xml><?xml version="1.0" encoding="utf-8"?>
 <p:sld xmlns:a="http://schemas.openxmlformats.org/drawingml/2006/main" xmlns:r="http://schemas.openxmlformats.org/officeDocument/2006/relationships" xmlns:p="http://schemas.openxmlformats.org/presentationml/2006/main">
   <p:cSld>
     <p:spTree>
@@ -7869,14 +7998,14 @@
   <p:timing>
     <p:tnLst>
       <p:par>
-        <p:cTn id="1" dur="indefinite" restart="never" nodeType="tmRoot"/>
+        <p:cTn xmlns:p14="http://schemas.microsoft.com/office/powerpoint/2010/main" id="1" dur="indefinite" restart="never" nodeType="tmRoot"/>
       </p:par>
     </p:tnLst>
   </p:timing>
 </p:sld>
 </file>
 
-<file path=ppt/slides/slide8.xml><?xml version="1.0" encoding="utf-8"?>
+<file path=ppt/slides/slide9.xml><?xml version="1.0" encoding="utf-8"?>
 <p:sld xmlns:a="http://schemas.openxmlformats.org/drawingml/2006/main" xmlns:r="http://schemas.openxmlformats.org/officeDocument/2006/relationships" xmlns:p="http://schemas.openxmlformats.org/presentationml/2006/main">
   <p:cSld>
     <p:spTree>
@@ -8006,7 +8135,7 @@
   <p:timing>
     <p:tnLst>
       <p:par>
-        <p:cTn id="1" dur="indefinite" restart="never" nodeType="tmRoot"/>
+        <p:cTn xmlns:p14="http://schemas.microsoft.com/office/powerpoint/2010/main" id="1" dur="indefinite" restart="never" nodeType="tmRoot"/>
       </p:par>
     </p:tnLst>
   </p:timing>
@@ -8056,7 +8185,7 @@
     </a:clrScheme>
     <a:fontScheme name="Mesh">
       <a:majorFont>
-        <a:latin typeface="Century Gothic" panose="020B0502020202020204"/>
+        <a:latin typeface="Century Gothic"/>
         <a:ea typeface=""/>
         <a:cs typeface=""/>
         <a:font script="Jpan" typeface="ＭＳ ゴシック"/>
@@ -8091,7 +8220,7 @@
         <a:font script="Geor" typeface="Sylfaen"/>
       </a:majorFont>
       <a:minorFont>
-        <a:latin typeface="Century Gothic" panose="020B0502020202020204"/>
+        <a:latin typeface="Century Gothic"/>
         <a:ea typeface=""/>
         <a:cs typeface=""/>
         <a:font script="Jpan" typeface="ＭＳ ゴシック"/>
@@ -8263,7 +8392,7 @@
   <a:extraClrSchemeLst/>
   <a:extLst>
     <a:ext uri="{05A4C25C-085E-4340-85A3-A5531E510DB2}">
-      <thm15:themeFamily xmlns:thm15="http://schemas.microsoft.com/office/thememl/2012/main" name="Mesh" id="{789EC3FE-34FD-429C-9918-760025E6C145}" vid="{B8BE45C0-8141-4D58-8C71-A009BC26FBBB}"/>
+      <thm15:themeFamily xmlns:thm15="http://schemas.microsoft.com/office/thememl/2012/main" xmlns="" name="Mesh" id="{789EC3FE-34FD-429C-9918-760025E6C145}" vid="{B8BE45C0-8141-4D58-8C71-A009BC26FBBB}"/>
     </a:ext>
   </a:extLst>
 </a:theme>
@@ -8312,7 +8441,7 @@
     </a:clrScheme>
     <a:fontScheme name="Office">
       <a:majorFont>
-        <a:latin typeface="Calibri Light" panose="020F0302020204030204"/>
+        <a:latin typeface="Calibri Light"/>
         <a:ea typeface=""/>
         <a:cs typeface=""/>
         <a:font script="Jpan" typeface="ＭＳ Ｐゴシック"/>
@@ -8347,7 +8476,7 @@
         <a:font script="Geor" typeface="Sylfaen"/>
       </a:majorFont>
       <a:minorFont>
-        <a:latin typeface="Calibri" panose="020F0502020204030204"/>
+        <a:latin typeface="Calibri"/>
         <a:ea typeface=""/>
         <a:cs typeface=""/>
         <a:font script="Jpan" typeface="ＭＳ Ｐゴシック"/>
@@ -8524,7 +8653,7 @@
   <a:extraClrSchemeLst/>
   <a:extLst>
     <a:ext uri="{05A4C25C-085E-4340-85A3-A5531E510DB2}">
-      <thm15:themeFamily xmlns:thm15="http://schemas.microsoft.com/office/thememl/2012/main" name="Office Theme" id="{62F939B6-93AF-4DB8-9C6B-D6C7DFDC589F}" vid="{4A3C46E8-61CC-4603-A589-7422A47A8E4A}"/>
+      <thm15:themeFamily xmlns:thm15="http://schemas.microsoft.com/office/thememl/2012/main" xmlns="" name="Office Theme" id="{62F939B6-93AF-4DB8-9C6B-D6C7DFDC589F}" vid="{4A3C46E8-61CC-4603-A589-7422A47A8E4A}"/>
     </a:ext>
   </a:extLst>
 </a:theme>
